--- a/2278_PhatLe_RSS1_MentorMentee_27G_Final_v0.2.0.pptx
+++ b/2278_PhatLe_RSS1_MentorMentee_27G_Final_v0.2.0.pptx
@@ -527,14 +527,36 @@
           <a:p>
             <a:r>
               <a:rPr lang="en-US" dirty="0" smtClean="0"/>
-              <a:t>there</a:t>
+              <a:t>Currently, we are develop</a:t>
             </a:r>
             <a:r>
               <a:rPr lang="en-US" baseline="0" dirty="0" smtClean="0"/>
-              <a:t> is my training plan base on my target, it same as my target I set before</a:t>
-            </a:r>
-          </a:p>
-          <a:p>
+              <a:t> build system for rcar xos platform and ci/cd system for it</a:t>
+            </a:r>
+          </a:p>
+          <a:p>
+            <a:pPr marL="171450" indent="-171450">
+              <a:buFont typeface="Arial" panose="020B0604020202020204" pitchFamily="34" charset="0"/>
+              <a:buChar char="•"/>
+            </a:pPr>
+            <a:r>
+              <a:rPr lang="en-US" baseline="0" dirty="0" smtClean="0"/>
+              <a:t>About build system, already supported freertos, linux, windows and recently, we have just added prototype support for qnx</a:t>
+            </a:r>
+          </a:p>
+          <a:p>
+            <a:pPr marL="171450" indent="-171450">
+              <a:buFont typeface="Arial" panose="020B0604020202020204" pitchFamily="34" charset="0"/>
+              <a:buChar char="•"/>
+            </a:pPr>
+            <a:r>
+              <a:rPr lang="en-US" dirty="0" smtClean="0"/>
+              <a:t> about build system, we supported</a:t>
+            </a:r>
+            <a:r>
+              <a:rPr lang="en-US" baseline="0" dirty="0" smtClean="0"/>
+              <a:t> build, test and package generation for it, next we will add automation test support for v3u linux and package vefication  to the CI</a:t>
+            </a:r>
             <a:endParaRPr lang="en-US" dirty="0"/>
           </a:p>
         </p:txBody>
@@ -556,7 +578,7 @@
           <a:p>
             <a:fld id="{A425D16B-934A-4DDA-AA9D-F9317AC24A5D}" type="slidenum">
               <a:rPr lang="en-US" smtClean="0"/>
-              <a:t>4</a:t>
+              <a:t>3</a:t>
             </a:fld>
             <a:endParaRPr lang="en-US" dirty="0"/>
           </a:p>
@@ -565,7 +587,7 @@
     </p:spTree>
     <p:extLst>
       <p:ext uri="{BB962C8B-B14F-4D97-AF65-F5344CB8AC3E}">
-        <p14:creationId xmlns:p14="http://schemas.microsoft.com/office/powerpoint/2010/main" val="804818203"/>
+        <p14:creationId xmlns:p14="http://schemas.microsoft.com/office/powerpoint/2010/main" val="2249536403"/>
       </p:ext>
     </p:extLst>
   </p:cSld>
@@ -620,21 +642,17 @@
           <a:lstStyle/>
           <a:p>
             <a:r>
-              <a:rPr lang="en-US" smtClean="0"/>
-              <a:t>Overal</a:t>
-            </a:r>
-            <a:r>
-              <a:rPr lang="en-US" baseline="0" smtClean="0"/>
-              <a:t>l of current Status. 3 skill group. Common, Coding engineer, Senior Engineer</a:t>
-            </a:r>
-            <a:br>
-              <a:rPr lang="en-US" baseline="0" smtClean="0"/>
-            </a:br>
-            <a:r>
-              <a:rPr lang="en-US" baseline="0" smtClean="0"/>
-              <a:t>All skill  level is the same as expection</a:t>
-            </a:r>
-            <a:endParaRPr lang="en-US"/>
+              <a:rPr lang="en-US" dirty="0" smtClean="0"/>
+              <a:t>Next is</a:t>
+            </a:r>
+            <a:r>
+              <a:rPr lang="en-US" baseline="0" dirty="0" smtClean="0"/>
+              <a:t> my trainning process during the last 2 years, you can check it later </a:t>
+            </a:r>
+            <a:endParaRPr lang="en-US" baseline="0" dirty="0" smtClean="0"/>
+          </a:p>
+          <a:p>
+            <a:endParaRPr lang="en-US" dirty="0"/>
           </a:p>
         </p:txBody>
       </p:sp>
@@ -655,7 +673,7 @@
           <a:p>
             <a:fld id="{A425D16B-934A-4DDA-AA9D-F9317AC24A5D}" type="slidenum">
               <a:rPr lang="en-US" smtClean="0"/>
-              <a:t>5</a:t>
+              <a:t>4</a:t>
             </a:fld>
             <a:endParaRPr lang="en-US" dirty="0"/>
           </a:p>
@@ -664,7 +682,7 @@
     </p:spTree>
     <p:extLst>
       <p:ext uri="{BB962C8B-B14F-4D97-AF65-F5344CB8AC3E}">
-        <p14:creationId xmlns:p14="http://schemas.microsoft.com/office/powerpoint/2010/main" val="2951384713"/>
+        <p14:creationId xmlns:p14="http://schemas.microsoft.com/office/powerpoint/2010/main" val="804818203"/>
       </p:ext>
     </p:extLst>
   </p:cSld>
@@ -719,10 +737,35 @@
           <a:lstStyle/>
           <a:p>
             <a:r>
-              <a:rPr lang="en-US" smtClean="0"/>
-              <a:t>Talk about current status</a:t>
-            </a:r>
-            <a:endParaRPr lang="en-US"/>
+              <a:rPr lang="en-US" dirty="0" smtClean="0"/>
+              <a:t>Overal</a:t>
+            </a:r>
+            <a:r>
+              <a:rPr lang="en-US" baseline="0" dirty="0" smtClean="0"/>
+              <a:t>l of current Status. </a:t>
+            </a:r>
+            <a:endParaRPr lang="en-US" baseline="0" dirty="0" smtClean="0"/>
+          </a:p>
+          <a:p>
+            <a:pPr marL="171450" indent="-171450">
+              <a:buFont typeface="Arial" panose="020B0604020202020204" pitchFamily="34" charset="0"/>
+              <a:buChar char="•"/>
+            </a:pPr>
+            <a:r>
+              <a:rPr lang="en-US" baseline="0" dirty="0" smtClean="0"/>
+              <a:t>Common skill and coding skill. These skill achieve level as expectation</a:t>
+            </a:r>
+          </a:p>
+          <a:p>
+            <a:pPr marL="171450" indent="-171450">
+              <a:buFont typeface="Arial" panose="020B0604020202020204" pitchFamily="34" charset="0"/>
+              <a:buChar char="•"/>
+            </a:pPr>
+            <a:r>
+              <a:rPr lang="en-US" baseline="0" dirty="0" smtClean="0"/>
+              <a:t>Have some improvement for some skill required for senior engineer</a:t>
+            </a:r>
+            <a:endParaRPr lang="en-US" dirty="0"/>
           </a:p>
         </p:txBody>
       </p:sp>
@@ -743,6 +786,118 @@
           <a:p>
             <a:fld id="{A425D16B-934A-4DDA-AA9D-F9317AC24A5D}" type="slidenum">
               <a:rPr lang="en-US" smtClean="0"/>
+              <a:t>5</a:t>
+            </a:fld>
+            <a:endParaRPr lang="en-US" dirty="0"/>
+          </a:p>
+        </p:txBody>
+      </p:sp>
+    </p:spTree>
+    <p:extLst>
+      <p:ext uri="{BB962C8B-B14F-4D97-AF65-F5344CB8AC3E}">
+        <p14:creationId xmlns:p14="http://schemas.microsoft.com/office/powerpoint/2010/main" val="2951384713"/>
+      </p:ext>
+    </p:extLst>
+  </p:cSld>
+  <p:clrMapOvr>
+    <a:masterClrMapping/>
+  </p:clrMapOvr>
+</p:notes>
+</file>
+
+<file path=ppt/notesSlides/notesSlide4.xml><?xml version="1.0" encoding="utf-8"?>
+<p:notes xmlns:a="http://schemas.openxmlformats.org/drawingml/2006/main" xmlns:r="http://schemas.openxmlformats.org/officeDocument/2006/relationships" xmlns:p="http://schemas.openxmlformats.org/presentationml/2006/main">
+  <p:cSld>
+    <p:spTree>
+      <p:nvGrpSpPr>
+        <p:cNvPr id="1" name=""/>
+        <p:cNvGrpSpPr/>
+        <p:nvPr/>
+      </p:nvGrpSpPr>
+      <p:grpSpPr>
+        <a:xfrm>
+          <a:off x="0" y="0"/>
+          <a:ext cx="0" cy="0"/>
+          <a:chOff x="0" y="0"/>
+          <a:chExt cx="0" cy="0"/>
+        </a:xfrm>
+      </p:grpSpPr>
+      <p:sp>
+        <p:nvSpPr>
+          <p:cNvPr id="2" name="Slide Image Placeholder 1"/>
+          <p:cNvSpPr>
+            <a:spLocks noGrp="1" noRot="1" noChangeAspect="1"/>
+          </p:cNvSpPr>
+          <p:nvPr>
+            <p:ph type="sldImg"/>
+          </p:nvPr>
+        </p:nvSpPr>
+        <p:spPr/>
+      </p:sp>
+      <p:sp>
+        <p:nvSpPr>
+          <p:cNvPr id="3" name="Notes Placeholder 2"/>
+          <p:cNvSpPr>
+            <a:spLocks noGrp="1"/>
+          </p:cNvSpPr>
+          <p:nvPr>
+            <p:ph type="body" idx="1"/>
+          </p:nvPr>
+        </p:nvSpPr>
+        <p:spPr/>
+        <p:txBody>
+          <a:bodyPr/>
+          <a:lstStyle/>
+          <a:p>
+            <a:r>
+              <a:rPr lang="en-US" dirty="0" smtClean="0"/>
+              <a:t>Let’s go into detail about my current status</a:t>
+            </a:r>
+          </a:p>
+          <a:p>
+            <a:pPr marL="171450" indent="-171450">
+              <a:buFont typeface="Arial" panose="020B0604020202020204" pitchFamily="34" charset="0"/>
+              <a:buChar char="•"/>
+            </a:pPr>
+            <a:r>
+              <a:rPr lang="en-US" dirty="0" smtClean="0"/>
+              <a:t>Sw</a:t>
+            </a:r>
+            <a:r>
+              <a:rPr lang="en-US" baseline="0" dirty="0" smtClean="0"/>
+              <a:t> arch design: im familiar with diagram tool (draw.io) and  confluence page to use it in design activity</a:t>
+            </a:r>
+          </a:p>
+          <a:p>
+            <a:pPr marL="171450" indent="-171450">
+              <a:buFont typeface="Arial" panose="020B0604020202020204" pitchFamily="34" charset="0"/>
+              <a:buChar char="•"/>
+            </a:pPr>
+            <a:r>
+              <a:rPr lang="en-US" baseline="0" dirty="0" smtClean="0"/>
+              <a:t>Detailed design: for each feature of rcar env, we will create detail design for each, and I also review/give feedback for design of my colleage</a:t>
+            </a:r>
+            <a:endParaRPr lang="en-US" dirty="0"/>
+          </a:p>
+        </p:txBody>
+      </p:sp>
+      <p:sp>
+        <p:nvSpPr>
+          <p:cNvPr id="4" name="Slide Number Placeholder 3"/>
+          <p:cNvSpPr>
+            <a:spLocks noGrp="1"/>
+          </p:cNvSpPr>
+          <p:nvPr>
+            <p:ph type="sldNum" sz="quarter" idx="10"/>
+          </p:nvPr>
+        </p:nvSpPr>
+        <p:spPr/>
+        <p:txBody>
+          <a:bodyPr/>
+          <a:lstStyle/>
+          <a:p>
+            <a:fld id="{A425D16B-934A-4DDA-AA9D-F9317AC24A5D}" type="slidenum">
+              <a:rPr lang="en-US" smtClean="0"/>
               <a:t>6</a:t>
             </a:fld>
             <a:endParaRPr lang="en-US" dirty="0"/>
@@ -753,6 +908,719 @@
     <p:extLst>
       <p:ext uri="{BB962C8B-B14F-4D97-AF65-F5344CB8AC3E}">
         <p14:creationId xmlns:p14="http://schemas.microsoft.com/office/powerpoint/2010/main" val="3516926492"/>
+      </p:ext>
+    </p:extLst>
+  </p:cSld>
+  <p:clrMapOvr>
+    <a:masterClrMapping/>
+  </p:clrMapOvr>
+</p:notes>
+</file>
+
+<file path=ppt/notesSlides/notesSlide5.xml><?xml version="1.0" encoding="utf-8"?>
+<p:notes xmlns:a="http://schemas.openxmlformats.org/drawingml/2006/main" xmlns:r="http://schemas.openxmlformats.org/officeDocument/2006/relationships" xmlns:p="http://schemas.openxmlformats.org/presentationml/2006/main">
+  <p:cSld>
+    <p:spTree>
+      <p:nvGrpSpPr>
+        <p:cNvPr id="1" name=""/>
+        <p:cNvGrpSpPr/>
+        <p:nvPr/>
+      </p:nvGrpSpPr>
+      <p:grpSpPr>
+        <a:xfrm>
+          <a:off x="0" y="0"/>
+          <a:ext cx="0" cy="0"/>
+          <a:chOff x="0" y="0"/>
+          <a:chExt cx="0" cy="0"/>
+        </a:xfrm>
+      </p:grpSpPr>
+      <p:sp>
+        <p:nvSpPr>
+          <p:cNvPr id="2" name="Slide Image Placeholder 1"/>
+          <p:cNvSpPr>
+            <a:spLocks noGrp="1" noRot="1" noChangeAspect="1"/>
+          </p:cNvSpPr>
+          <p:nvPr>
+            <p:ph type="sldImg"/>
+          </p:nvPr>
+        </p:nvSpPr>
+        <p:spPr/>
+      </p:sp>
+      <p:sp>
+        <p:nvSpPr>
+          <p:cNvPr id="3" name="Notes Placeholder 2"/>
+          <p:cNvSpPr>
+            <a:spLocks noGrp="1"/>
+          </p:cNvSpPr>
+          <p:nvPr>
+            <p:ph type="body" idx="1"/>
+          </p:nvPr>
+        </p:nvSpPr>
+        <p:spPr/>
+        <p:txBody>
+          <a:bodyPr/>
+          <a:lstStyle/>
+          <a:p>
+            <a:r>
+              <a:rPr lang="en-US" dirty="0" smtClean="0"/>
+              <a:t>About coding skill</a:t>
+            </a:r>
+          </a:p>
+          <a:p>
+            <a:pPr marL="171450" indent="-171450">
+              <a:buFont typeface="Arial" panose="020B0604020202020204" pitchFamily="34" charset="0"/>
+              <a:buChar char="•"/>
+            </a:pPr>
+            <a:r>
+              <a:rPr lang="en-US" dirty="0" smtClean="0"/>
+              <a:t>Currenly, im confident to say</a:t>
+            </a:r>
+            <a:r>
+              <a:rPr lang="en-US" baseline="0" dirty="0" smtClean="0"/>
+              <a:t> that</a:t>
+            </a:r>
+          </a:p>
+          <a:p>
+            <a:pPr marL="171450" indent="-171450">
+              <a:buFont typeface="Arial" panose="020B0604020202020204" pitchFamily="34" charset="0"/>
+              <a:buChar char="•"/>
+            </a:pPr>
+            <a:r>
+              <a:rPr lang="en-US" baseline="0" dirty="0" smtClean="0"/>
+              <a:t>Review colleague source code and give them to solution to improve or fix issue</a:t>
+            </a:r>
+          </a:p>
+          <a:p>
+            <a:pPr marL="171450" indent="-171450">
+              <a:buFont typeface="Arial" panose="020B0604020202020204" pitchFamily="34" charset="0"/>
+              <a:buChar char="•"/>
+            </a:pPr>
+            <a:endParaRPr lang="en-US" baseline="0" dirty="0" smtClean="0"/>
+          </a:p>
+          <a:p>
+            <a:pPr marL="0" indent="0">
+              <a:buFont typeface="Arial" panose="020B0604020202020204" pitchFamily="34" charset="0"/>
+              <a:buNone/>
+            </a:pPr>
+            <a:r>
+              <a:rPr lang="en-US" baseline="0" dirty="0" smtClean="0"/>
+              <a:t>Development environemnt:</a:t>
+            </a:r>
+          </a:p>
+          <a:p>
+            <a:pPr marL="171450" indent="-171450">
+              <a:buFont typeface="Arial" panose="020B0604020202020204" pitchFamily="34" charset="0"/>
+              <a:buChar char="•"/>
+            </a:pPr>
+            <a:r>
+              <a:rPr lang="en-US" baseline="0" dirty="0" smtClean="0"/>
+              <a:t>im familar with gilab workflow and use it in daily development activity</a:t>
+            </a:r>
+          </a:p>
+          <a:p>
+            <a:pPr marL="171450" indent="-171450">
+              <a:buFont typeface="Arial" panose="020B0604020202020204" pitchFamily="34" charset="0"/>
+              <a:buChar char="•"/>
+            </a:pPr>
+            <a:r>
+              <a:rPr lang="en-US" baseline="0" dirty="0" smtClean="0"/>
+              <a:t>To develop build system for multiple os, </a:t>
+            </a:r>
+          </a:p>
+          <a:p>
+            <a:pPr marL="171450" indent="-171450">
+              <a:buFont typeface="Arial" panose="020B0604020202020204" pitchFamily="34" charset="0"/>
+              <a:buChar char="•"/>
+            </a:pPr>
+            <a:endParaRPr lang="en-US" baseline="0" dirty="0" smtClean="0"/>
+          </a:p>
+          <a:p>
+            <a:pPr marL="0" indent="0">
+              <a:buFont typeface="Arial" panose="020B0604020202020204" pitchFamily="34" charset="0"/>
+              <a:buNone/>
+            </a:pPr>
+            <a:r>
+              <a:rPr lang="en-US" baseline="0" dirty="0" smtClean="0"/>
+              <a:t>Readability</a:t>
+            </a:r>
+          </a:p>
+          <a:p>
+            <a:pPr marL="171450" indent="-171450">
+              <a:buFont typeface="Arial" panose="020B0604020202020204" pitchFamily="34" charset="0"/>
+              <a:buChar char="•"/>
+            </a:pPr>
+            <a:r>
+              <a:rPr lang="en-US" sz="1200" b="0" i="0" kern="1200" dirty="0" smtClean="0">
+                <a:solidFill>
+                  <a:schemeClr val="tx1"/>
+                </a:solidFill>
+                <a:effectLst/>
+                <a:latin typeface="+mn-lt"/>
+                <a:ea typeface="+mn-ea"/>
+                <a:cs typeface="+mn-cs"/>
+              </a:rPr>
+              <a:t> /ˈmɑː.dʒə.lə.raɪz/</a:t>
+            </a:r>
+          </a:p>
+          <a:p>
+            <a:pPr marL="171450" marR="0" lvl="0" indent="-171450" algn="l" defTabSz="914400" rtl="0" eaLnBrk="1" fontAlgn="auto" latinLnBrk="0" hangingPunct="1">
+              <a:lnSpc>
+                <a:spcPct val="100000"/>
+              </a:lnSpc>
+              <a:spcBef>
+                <a:spcPts val="0"/>
+              </a:spcBef>
+              <a:spcAft>
+                <a:spcPts val="0"/>
+              </a:spcAft>
+              <a:buClrTx/>
+              <a:buSzTx/>
+              <a:buFont typeface="Arial" panose="020B0604020202020204" pitchFamily="34" charset="0"/>
+              <a:buChar char="•"/>
+              <a:tabLst/>
+              <a:defRPr/>
+            </a:pPr>
+            <a:r>
+              <a:rPr lang="en-US" sz="1200" baseline="0" dirty="0" smtClean="0">
+                <a:latin typeface="Cambria" panose="02040503050406030204" pitchFamily="18" charset="0"/>
+              </a:rPr>
+              <a:t>Create CMake template/guideline for developer to use RCarEnv so they can use it to write cmake file for their module</a:t>
+            </a:r>
+            <a:endParaRPr lang="en-US" baseline="0" dirty="0" smtClean="0"/>
+          </a:p>
+          <a:p>
+            <a:pPr marL="171450" indent="-171450">
+              <a:buFont typeface="Arial" panose="020B0604020202020204" pitchFamily="34" charset="0"/>
+              <a:buChar char="•"/>
+            </a:pPr>
+            <a:endParaRPr lang="en-US" dirty="0"/>
+          </a:p>
+        </p:txBody>
+      </p:sp>
+      <p:sp>
+        <p:nvSpPr>
+          <p:cNvPr id="4" name="Slide Number Placeholder 3"/>
+          <p:cNvSpPr>
+            <a:spLocks noGrp="1"/>
+          </p:cNvSpPr>
+          <p:nvPr>
+            <p:ph type="sldNum" sz="quarter" idx="10"/>
+          </p:nvPr>
+        </p:nvSpPr>
+        <p:spPr/>
+        <p:txBody>
+          <a:bodyPr/>
+          <a:lstStyle/>
+          <a:p>
+            <a:fld id="{A425D16B-934A-4DDA-AA9D-F9317AC24A5D}" type="slidenum">
+              <a:rPr lang="en-US" smtClean="0"/>
+              <a:t>7</a:t>
+            </a:fld>
+            <a:endParaRPr lang="en-US" dirty="0"/>
+          </a:p>
+        </p:txBody>
+      </p:sp>
+    </p:spTree>
+    <p:extLst>
+      <p:ext uri="{BB962C8B-B14F-4D97-AF65-F5344CB8AC3E}">
+        <p14:creationId xmlns:p14="http://schemas.microsoft.com/office/powerpoint/2010/main" val="643193780"/>
+      </p:ext>
+    </p:extLst>
+  </p:cSld>
+  <p:clrMapOvr>
+    <a:masterClrMapping/>
+  </p:clrMapOvr>
+</p:notes>
+</file>
+
+<file path=ppt/notesSlides/notesSlide6.xml><?xml version="1.0" encoding="utf-8"?>
+<p:notes xmlns:a="http://schemas.openxmlformats.org/drawingml/2006/main" xmlns:r="http://schemas.openxmlformats.org/officeDocument/2006/relationships" xmlns:p="http://schemas.openxmlformats.org/presentationml/2006/main">
+  <p:cSld>
+    <p:spTree>
+      <p:nvGrpSpPr>
+        <p:cNvPr id="1" name=""/>
+        <p:cNvGrpSpPr/>
+        <p:nvPr/>
+      </p:nvGrpSpPr>
+      <p:grpSpPr>
+        <a:xfrm>
+          <a:off x="0" y="0"/>
+          <a:ext cx="0" cy="0"/>
+          <a:chOff x="0" y="0"/>
+          <a:chExt cx="0" cy="0"/>
+        </a:xfrm>
+      </p:grpSpPr>
+      <p:sp>
+        <p:nvSpPr>
+          <p:cNvPr id="2" name="Slide Image Placeholder 1"/>
+          <p:cNvSpPr>
+            <a:spLocks noGrp="1" noRot="1" noChangeAspect="1"/>
+          </p:cNvSpPr>
+          <p:nvPr>
+            <p:ph type="sldImg"/>
+          </p:nvPr>
+        </p:nvSpPr>
+        <p:spPr/>
+      </p:sp>
+      <p:sp>
+        <p:nvSpPr>
+          <p:cNvPr id="3" name="Notes Placeholder 2"/>
+          <p:cNvSpPr>
+            <a:spLocks noGrp="1"/>
+          </p:cNvSpPr>
+          <p:nvPr>
+            <p:ph type="body" idx="1"/>
+          </p:nvPr>
+        </p:nvSpPr>
+        <p:spPr/>
+        <p:txBody>
+          <a:bodyPr/>
+          <a:lstStyle/>
+          <a:p>
+            <a:r>
+              <a:rPr lang="en-US" dirty="0" smtClean="0"/>
+              <a:t>About senior eng skill</a:t>
+            </a:r>
+          </a:p>
+          <a:p>
+            <a:pPr marL="171450" marR="0" lvl="0" indent="-171450" algn="l" defTabSz="914400" rtl="0" eaLnBrk="1" fontAlgn="auto" latinLnBrk="0" hangingPunct="1">
+              <a:lnSpc>
+                <a:spcPct val="100000"/>
+              </a:lnSpc>
+              <a:spcBef>
+                <a:spcPts val="0"/>
+              </a:spcBef>
+              <a:spcAft>
+                <a:spcPts val="0"/>
+              </a:spcAft>
+              <a:buClrTx/>
+              <a:buSzTx/>
+              <a:buFont typeface="Arial" panose="020B0604020202020204" pitchFamily="34" charset="0"/>
+              <a:buChar char="•"/>
+              <a:tabLst/>
+              <a:defRPr/>
+            </a:pPr>
+            <a:r>
+              <a:rPr lang="en-US" sz="1200" baseline="0" dirty="0" smtClean="0">
+                <a:latin typeface="Cambria" panose="02040503050406030204" pitchFamily="18" charset="0"/>
+              </a:rPr>
+              <a:t>Able to hold a meeting to share RCar Env Knowledge to other teams.</a:t>
+            </a:r>
+          </a:p>
+          <a:p>
+            <a:pPr marL="171450" marR="0" lvl="0" indent="-171450" algn="l" defTabSz="914400" rtl="0" eaLnBrk="1" fontAlgn="auto" latinLnBrk="0" hangingPunct="1">
+              <a:lnSpc>
+                <a:spcPct val="100000"/>
+              </a:lnSpc>
+              <a:spcBef>
+                <a:spcPts val="0"/>
+              </a:spcBef>
+              <a:spcAft>
+                <a:spcPts val="0"/>
+              </a:spcAft>
+              <a:buClrTx/>
+              <a:buSzTx/>
+              <a:buFont typeface="Arial" panose="020B0604020202020204" pitchFamily="34" charset="0"/>
+              <a:buChar char="•"/>
+              <a:tabLst/>
+              <a:defRPr/>
+            </a:pPr>
+            <a:r>
+              <a:rPr lang="en-US" sz="1200" baseline="0" dirty="0" smtClean="0">
+                <a:latin typeface="Cambria" panose="02040503050406030204" pitchFamily="18" charset="0"/>
+              </a:rPr>
+              <a:t>Create training plan for new members and support them</a:t>
+            </a:r>
+          </a:p>
+          <a:p>
+            <a:pPr marL="171450" marR="0" lvl="0" indent="-171450" algn="l" defTabSz="914400" rtl="0" eaLnBrk="1" fontAlgn="auto" latinLnBrk="0" hangingPunct="1">
+              <a:lnSpc>
+                <a:spcPct val="100000"/>
+              </a:lnSpc>
+              <a:spcBef>
+                <a:spcPts val="0"/>
+              </a:spcBef>
+              <a:spcAft>
+                <a:spcPts val="0"/>
+              </a:spcAft>
+              <a:buClrTx/>
+              <a:buSzTx/>
+              <a:buFont typeface="Arial" panose="020B0604020202020204" pitchFamily="34" charset="0"/>
+              <a:buChar char="•"/>
+              <a:tabLst/>
+              <a:defRPr/>
+            </a:pPr>
+            <a:r>
+              <a:rPr lang="en-US" sz="1200" baseline="0" dirty="0" smtClean="0">
+                <a:latin typeface="Cambria" panose="02040503050406030204" pitchFamily="18" charset="0"/>
+              </a:rPr>
+              <a:t>Buildup and maintain </a:t>
+            </a:r>
+            <a:r>
+              <a:rPr lang="en-US" sz="1200" dirty="0" smtClean="0">
+                <a:latin typeface="Cambria" panose="02040503050406030204" pitchFamily="18" charset="0"/>
+              </a:rPr>
+              <a:t>infrastructure by</a:t>
+            </a:r>
+            <a:r>
+              <a:rPr lang="en-US" sz="1200" baseline="0" dirty="0" smtClean="0">
+                <a:latin typeface="Cambria" panose="02040503050406030204" pitchFamily="18" charset="0"/>
+              </a:rPr>
+              <a:t> using Kubernetes, and it work stably for more than 1 year, no major issue occur</a:t>
+            </a:r>
+          </a:p>
+          <a:p>
+            <a:endParaRPr lang="en-US" dirty="0"/>
+          </a:p>
+        </p:txBody>
+      </p:sp>
+      <p:sp>
+        <p:nvSpPr>
+          <p:cNvPr id="4" name="Slide Number Placeholder 3"/>
+          <p:cNvSpPr>
+            <a:spLocks noGrp="1"/>
+          </p:cNvSpPr>
+          <p:nvPr>
+            <p:ph type="sldNum" sz="quarter" idx="10"/>
+          </p:nvPr>
+        </p:nvSpPr>
+        <p:spPr/>
+        <p:txBody>
+          <a:bodyPr/>
+          <a:lstStyle/>
+          <a:p>
+            <a:fld id="{A425D16B-934A-4DDA-AA9D-F9317AC24A5D}" type="slidenum">
+              <a:rPr lang="en-US" smtClean="0"/>
+              <a:t>8</a:t>
+            </a:fld>
+            <a:endParaRPr lang="en-US" dirty="0"/>
+          </a:p>
+        </p:txBody>
+      </p:sp>
+    </p:spTree>
+    <p:extLst>
+      <p:ext uri="{BB962C8B-B14F-4D97-AF65-F5344CB8AC3E}">
+        <p14:creationId xmlns:p14="http://schemas.microsoft.com/office/powerpoint/2010/main" val="2102451659"/>
+      </p:ext>
+    </p:extLst>
+  </p:cSld>
+  <p:clrMapOvr>
+    <a:masterClrMapping/>
+  </p:clrMapOvr>
+</p:notes>
+</file>
+
+<file path=ppt/notesSlides/notesSlide7.xml><?xml version="1.0" encoding="utf-8"?>
+<p:notes xmlns:a="http://schemas.openxmlformats.org/drawingml/2006/main" xmlns:r="http://schemas.openxmlformats.org/officeDocument/2006/relationships" xmlns:p="http://schemas.openxmlformats.org/presentationml/2006/main">
+  <p:cSld>
+    <p:spTree>
+      <p:nvGrpSpPr>
+        <p:cNvPr id="1" name=""/>
+        <p:cNvGrpSpPr/>
+        <p:nvPr/>
+      </p:nvGrpSpPr>
+      <p:grpSpPr>
+        <a:xfrm>
+          <a:off x="0" y="0"/>
+          <a:ext cx="0" cy="0"/>
+          <a:chOff x="0" y="0"/>
+          <a:chExt cx="0" cy="0"/>
+        </a:xfrm>
+      </p:grpSpPr>
+      <p:sp>
+        <p:nvSpPr>
+          <p:cNvPr id="2" name="Slide Image Placeholder 1"/>
+          <p:cNvSpPr>
+            <a:spLocks noGrp="1" noRot="1" noChangeAspect="1"/>
+          </p:cNvSpPr>
+          <p:nvPr>
+            <p:ph type="sldImg"/>
+          </p:nvPr>
+        </p:nvSpPr>
+        <p:spPr/>
+      </p:sp>
+      <p:sp>
+        <p:nvSpPr>
+          <p:cNvPr id="3" name="Notes Placeholder 2"/>
+          <p:cNvSpPr>
+            <a:spLocks noGrp="1"/>
+          </p:cNvSpPr>
+          <p:nvPr>
+            <p:ph type="body" idx="1"/>
+          </p:nvPr>
+        </p:nvSpPr>
+        <p:spPr/>
+        <p:txBody>
+          <a:bodyPr/>
+          <a:lstStyle/>
+          <a:p>
+            <a:pPr marL="171450" marR="0" lvl="0" indent="-171450" algn="l" defTabSz="914400" rtl="0" eaLnBrk="1" fontAlgn="auto" latinLnBrk="0" hangingPunct="1">
+              <a:lnSpc>
+                <a:spcPct val="100000"/>
+              </a:lnSpc>
+              <a:spcBef>
+                <a:spcPts val="0"/>
+              </a:spcBef>
+              <a:spcAft>
+                <a:spcPts val="0"/>
+              </a:spcAft>
+              <a:buClrTx/>
+              <a:buSzTx/>
+              <a:buFont typeface="Arial" panose="020B0604020202020204" pitchFamily="34" charset="0"/>
+              <a:buChar char="•"/>
+              <a:tabLst/>
+              <a:defRPr/>
+            </a:pPr>
+            <a:r>
+              <a:rPr kumimoji="1" lang="en-US" sz="1200" kern="1200" dirty="0" smtClean="0">
+                <a:solidFill>
+                  <a:schemeClr val="tx1"/>
+                </a:solidFill>
+                <a:effectLst/>
+                <a:latin typeface="Cambria" panose="02040503050406030204" pitchFamily="18" charset="0"/>
+                <a:ea typeface="+mn-ea"/>
+                <a:cs typeface="+mn-cs"/>
+              </a:rPr>
+              <a:t>Can estimate and create plan for project, currently,</a:t>
+            </a:r>
+            <a:r>
+              <a:rPr kumimoji="1" lang="en-US" sz="1200" kern="1200" baseline="0" dirty="0" smtClean="0">
+                <a:solidFill>
+                  <a:schemeClr val="tx1"/>
+                </a:solidFill>
+                <a:effectLst/>
+                <a:latin typeface="Cambria" panose="02040503050406030204" pitchFamily="18" charset="0"/>
+                <a:ea typeface="+mn-ea"/>
+                <a:cs typeface="+mn-cs"/>
+              </a:rPr>
+              <a:t> we use Agile </a:t>
+            </a:r>
+            <a:r>
+              <a:rPr lang="en-US" sz="1200" b="0" i="0" kern="1200" dirty="0" smtClean="0">
+                <a:solidFill>
+                  <a:schemeClr val="tx1"/>
+                </a:solidFill>
+                <a:effectLst/>
+                <a:latin typeface="+mn-lt"/>
+                <a:ea typeface="+mn-ea"/>
+                <a:cs typeface="+mn-cs"/>
+              </a:rPr>
+              <a:t>/ˈædʒaɪl/ </a:t>
+            </a:r>
+            <a:r>
+              <a:rPr lang="en-US" sz="1200" b="0" i="0" kern="1200" baseline="0" dirty="0" smtClean="0">
+                <a:solidFill>
+                  <a:schemeClr val="tx1"/>
+                </a:solidFill>
+                <a:effectLst/>
+                <a:latin typeface="+mn-lt"/>
+                <a:ea typeface="+mn-ea"/>
+                <a:cs typeface="+mn-cs"/>
+              </a:rPr>
+              <a:t> model, </a:t>
+            </a:r>
+            <a:r>
+              <a:rPr lang="en-US" sz="1200" b="0" i="0" kern="1200" dirty="0" smtClean="0">
+                <a:solidFill>
+                  <a:schemeClr val="tx1"/>
+                </a:solidFill>
+                <a:effectLst/>
+                <a:latin typeface="+mn-lt"/>
+                <a:ea typeface="+mn-ea"/>
+                <a:cs typeface="+mn-cs"/>
+              </a:rPr>
+              <a:t>plan will</a:t>
+            </a:r>
+            <a:r>
+              <a:rPr lang="en-US" sz="1200" b="0" i="0" kern="1200" baseline="0" dirty="0" smtClean="0">
+                <a:solidFill>
+                  <a:schemeClr val="tx1"/>
+                </a:solidFill>
+                <a:effectLst/>
+                <a:latin typeface="+mn-lt"/>
+                <a:ea typeface="+mn-ea"/>
+                <a:cs typeface="+mn-cs"/>
+              </a:rPr>
+              <a:t> be reviewed and update every 2 weeks b</a:t>
+            </a:r>
+            <a:endParaRPr lang="en-US" sz="1200" baseline="0" dirty="0" smtClean="0">
+              <a:latin typeface="Cambria" panose="02040503050406030204" pitchFamily="18" charset="0"/>
+            </a:endParaRPr>
+          </a:p>
+        </p:txBody>
+      </p:sp>
+      <p:sp>
+        <p:nvSpPr>
+          <p:cNvPr id="4" name="Slide Number Placeholder 3"/>
+          <p:cNvSpPr>
+            <a:spLocks noGrp="1"/>
+          </p:cNvSpPr>
+          <p:nvPr>
+            <p:ph type="sldNum" sz="quarter" idx="10"/>
+          </p:nvPr>
+        </p:nvSpPr>
+        <p:spPr/>
+        <p:txBody>
+          <a:bodyPr/>
+          <a:lstStyle/>
+          <a:p>
+            <a:fld id="{A425D16B-934A-4DDA-AA9D-F9317AC24A5D}" type="slidenum">
+              <a:rPr lang="en-US" smtClean="0"/>
+              <a:t>9</a:t>
+            </a:fld>
+            <a:endParaRPr lang="en-US" dirty="0"/>
+          </a:p>
+        </p:txBody>
+      </p:sp>
+    </p:spTree>
+    <p:extLst>
+      <p:ext uri="{BB962C8B-B14F-4D97-AF65-F5344CB8AC3E}">
+        <p14:creationId xmlns:p14="http://schemas.microsoft.com/office/powerpoint/2010/main" val="4138557541"/>
+      </p:ext>
+    </p:extLst>
+  </p:cSld>
+  <p:clrMapOvr>
+    <a:masterClrMapping/>
+  </p:clrMapOvr>
+</p:notes>
+</file>
+
+<file path=ppt/notesSlides/notesSlide8.xml><?xml version="1.0" encoding="utf-8"?>
+<p:notes xmlns:a="http://schemas.openxmlformats.org/drawingml/2006/main" xmlns:r="http://schemas.openxmlformats.org/officeDocument/2006/relationships" xmlns:p="http://schemas.openxmlformats.org/presentationml/2006/main">
+  <p:cSld>
+    <p:spTree>
+      <p:nvGrpSpPr>
+        <p:cNvPr id="1" name=""/>
+        <p:cNvGrpSpPr/>
+        <p:nvPr/>
+      </p:nvGrpSpPr>
+      <p:grpSpPr>
+        <a:xfrm>
+          <a:off x="0" y="0"/>
+          <a:ext cx="0" cy="0"/>
+          <a:chOff x="0" y="0"/>
+          <a:chExt cx="0" cy="0"/>
+        </a:xfrm>
+      </p:grpSpPr>
+      <p:sp>
+        <p:nvSpPr>
+          <p:cNvPr id="2" name="Slide Image Placeholder 1"/>
+          <p:cNvSpPr>
+            <a:spLocks noGrp="1" noRot="1" noChangeAspect="1"/>
+          </p:cNvSpPr>
+          <p:nvPr>
+            <p:ph type="sldImg"/>
+          </p:nvPr>
+        </p:nvSpPr>
+        <p:spPr/>
+      </p:sp>
+      <p:sp>
+        <p:nvSpPr>
+          <p:cNvPr id="3" name="Notes Placeholder 2"/>
+          <p:cNvSpPr>
+            <a:spLocks noGrp="1"/>
+          </p:cNvSpPr>
+          <p:nvPr>
+            <p:ph type="body" idx="1"/>
+          </p:nvPr>
+        </p:nvSpPr>
+        <p:spPr/>
+        <p:txBody>
+          <a:bodyPr/>
+          <a:lstStyle/>
+          <a:p>
+            <a:r>
+              <a:rPr lang="en-US" dirty="0" smtClean="0"/>
+              <a:t>This is summary</a:t>
+            </a:r>
+            <a:r>
+              <a:rPr lang="en-US" baseline="0" dirty="0" smtClean="0"/>
+              <a:t> of my achivement after 2 years working</a:t>
+            </a:r>
+          </a:p>
+          <a:p>
+            <a:r>
+              <a:rPr lang="en-US" baseline="0" dirty="0" smtClean="0"/>
+              <a:t>The significant achievements are</a:t>
+            </a:r>
+          </a:p>
+          <a:p>
+            <a:pPr marL="171450" indent="-171450">
+              <a:buFont typeface="Arial" panose="020B0604020202020204" pitchFamily="34" charset="0"/>
+              <a:buChar char="•"/>
+            </a:pPr>
+            <a:r>
+              <a:rPr lang="en-US" baseline="0" dirty="0" smtClean="0"/>
+              <a:t>Become rcar env project leader</a:t>
+            </a:r>
+          </a:p>
+          <a:p>
+            <a:pPr marL="171450" indent="-171450">
+              <a:buFont typeface="Arial" panose="020B0604020202020204" pitchFamily="34" charset="0"/>
+              <a:buChar char="•"/>
+            </a:pPr>
+            <a:r>
+              <a:rPr lang="en-US" baseline="0" dirty="0" smtClean="0"/>
+              <a:t>Release build system v1.0.0</a:t>
+            </a:r>
+          </a:p>
+          <a:p>
+            <a:pPr marL="171450" indent="-171450">
+              <a:buFont typeface="Arial" panose="020B0604020202020204" pitchFamily="34" charset="0"/>
+              <a:buChar char="•"/>
+            </a:pPr>
+            <a:r>
+              <a:rPr lang="en-US" baseline="0" dirty="0" smtClean="0"/>
+              <a:t>Recently, add automated package generation feature to generate v3u and v3u windows sil package</a:t>
+            </a:r>
+          </a:p>
+          <a:p>
+            <a:pPr marL="0" indent="0">
+              <a:buFont typeface="Arial" panose="020B0604020202020204" pitchFamily="34" charset="0"/>
+              <a:buNone/>
+            </a:pPr>
+            <a:endParaRPr lang="en-US" baseline="0" dirty="0" smtClean="0"/>
+          </a:p>
+          <a:p>
+            <a:pPr marL="0" indent="0">
+              <a:buFont typeface="Arial" panose="020B0604020202020204" pitchFamily="34" charset="0"/>
+              <a:buNone/>
+            </a:pPr>
+            <a:r>
+              <a:rPr lang="en-US" baseline="0" dirty="0" smtClean="0"/>
+              <a:t>And  of course. These achivement comes from much efforts and supports from my colleague</a:t>
+            </a:r>
+            <a:endParaRPr lang="en-US" dirty="0"/>
+          </a:p>
+        </p:txBody>
+      </p:sp>
+      <p:sp>
+        <p:nvSpPr>
+          <p:cNvPr id="4" name="Slide Number Placeholder 3"/>
+          <p:cNvSpPr>
+            <a:spLocks noGrp="1"/>
+          </p:cNvSpPr>
+          <p:nvPr>
+            <p:ph type="sldNum" sz="quarter" idx="10"/>
+          </p:nvPr>
+        </p:nvSpPr>
+        <p:spPr/>
+        <p:txBody>
+          <a:bodyPr/>
+          <a:lstStyle/>
+          <a:p>
+            <a:fld id="{A425D16B-934A-4DDA-AA9D-F9317AC24A5D}" type="slidenum">
+              <a:rPr lang="en-US" smtClean="0"/>
+              <a:t>10</a:t>
+            </a:fld>
+            <a:endParaRPr lang="en-US" dirty="0"/>
+          </a:p>
+        </p:txBody>
+      </p:sp>
+    </p:spTree>
+    <p:extLst>
+      <p:ext uri="{BB962C8B-B14F-4D97-AF65-F5344CB8AC3E}">
+        <p14:creationId xmlns:p14="http://schemas.microsoft.com/office/powerpoint/2010/main" val="2743765234"/>
       </p:ext>
     </p:extLst>
   </p:cSld>
@@ -1173,7 +2041,7 @@
           <p:cNvPr id="7" name="Gerade Verbindung 4">
             <a:extLst>
               <a:ext uri="{FF2B5EF4-FFF2-40B4-BE49-F238E27FC236}">
-                <a16:creationId xmlns:a16="http://schemas.microsoft.com/office/drawing/2014/main" id="{2BAE940A-B6B2-4062-A10D-8E38DBE86AC8}"/>
+                <a16:creationId xmlns:a16="http://schemas.microsoft.com/office/drawing/2014/main" xmlns="" id="{2BAE940A-B6B2-4062-A10D-8E38DBE86AC8}"/>
               </a:ext>
             </a:extLst>
           </p:cNvPr>
@@ -1217,7 +2085,7 @@
           <p:cNvPr id="8" name="テキスト ボックス 7">
             <a:extLst>
               <a:ext uri="{FF2B5EF4-FFF2-40B4-BE49-F238E27FC236}">
-                <a16:creationId xmlns:a16="http://schemas.microsoft.com/office/drawing/2014/main" id="{2AE69775-672D-4AA3-8EDA-94057BEF41E6}"/>
+                <a16:creationId xmlns:a16="http://schemas.microsoft.com/office/drawing/2014/main" xmlns="" id="{2AE69775-672D-4AA3-8EDA-94057BEF41E6}"/>
               </a:ext>
             </a:extLst>
           </p:cNvPr>
@@ -1419,7 +2287,7 @@
           <p:cNvPr id="7" name="Gerade Verbindung 4">
             <a:extLst>
               <a:ext uri="{FF2B5EF4-FFF2-40B4-BE49-F238E27FC236}">
-                <a16:creationId xmlns:a16="http://schemas.microsoft.com/office/drawing/2014/main" id="{D3A74278-5E33-47CA-ADB1-29C6159D0314}"/>
+                <a16:creationId xmlns:a16="http://schemas.microsoft.com/office/drawing/2014/main" xmlns="" id="{D3A74278-5E33-47CA-ADB1-29C6159D0314}"/>
               </a:ext>
             </a:extLst>
           </p:cNvPr>
@@ -1463,7 +2331,7 @@
           <p:cNvPr id="9" name="テキスト ボックス 8">
             <a:extLst>
               <a:ext uri="{FF2B5EF4-FFF2-40B4-BE49-F238E27FC236}">
-                <a16:creationId xmlns:a16="http://schemas.microsoft.com/office/drawing/2014/main" id="{D4728CF0-38B4-4893-A4B1-B1730B2CF536}"/>
+                <a16:creationId xmlns:a16="http://schemas.microsoft.com/office/drawing/2014/main" xmlns="" id="{D4728CF0-38B4-4893-A4B1-B1730B2CF536}"/>
               </a:ext>
             </a:extLst>
           </p:cNvPr>
@@ -1652,7 +2520,7 @@
           <p:cNvPr id="7" name="テキスト ボックス 6">
             <a:extLst>
               <a:ext uri="{FF2B5EF4-FFF2-40B4-BE49-F238E27FC236}">
-                <a16:creationId xmlns:a16="http://schemas.microsoft.com/office/drawing/2014/main" id="{E44D5E23-B915-4847-AEAE-600DBB5D7A81}"/>
+                <a16:creationId xmlns:a16="http://schemas.microsoft.com/office/drawing/2014/main" xmlns="" id="{E44D5E23-B915-4847-AEAE-600DBB5D7A81}"/>
               </a:ext>
             </a:extLst>
           </p:cNvPr>
@@ -1975,7 +2843,7 @@
           <p:cNvPr id="10" name="Gerade Verbindung 4">
             <a:extLst>
               <a:ext uri="{FF2B5EF4-FFF2-40B4-BE49-F238E27FC236}">
-                <a16:creationId xmlns:a16="http://schemas.microsoft.com/office/drawing/2014/main" id="{52C5DDBA-90B9-4961-A14B-98B9546E714F}"/>
+                <a16:creationId xmlns:a16="http://schemas.microsoft.com/office/drawing/2014/main" xmlns="" id="{52C5DDBA-90B9-4961-A14B-98B9546E714F}"/>
               </a:ext>
             </a:extLst>
           </p:cNvPr>
@@ -2019,7 +2887,7 @@
           <p:cNvPr id="12" name="テキスト ボックス 11">
             <a:extLst>
               <a:ext uri="{FF2B5EF4-FFF2-40B4-BE49-F238E27FC236}">
-                <a16:creationId xmlns:a16="http://schemas.microsoft.com/office/drawing/2014/main" id="{E1F78BC6-0B72-4CC4-A317-57441D7DC260}"/>
+                <a16:creationId xmlns:a16="http://schemas.microsoft.com/office/drawing/2014/main" xmlns="" id="{E1F78BC6-0B72-4CC4-A317-57441D7DC260}"/>
               </a:ext>
             </a:extLst>
           </p:cNvPr>
@@ -2218,7 +3086,7 @@
           <p:cNvPr id="7" name="Gerade Verbindung 4">
             <a:extLst>
               <a:ext uri="{FF2B5EF4-FFF2-40B4-BE49-F238E27FC236}">
-                <a16:creationId xmlns:a16="http://schemas.microsoft.com/office/drawing/2014/main" id="{E5422D39-5700-42E9-887F-A22446232645}"/>
+                <a16:creationId xmlns:a16="http://schemas.microsoft.com/office/drawing/2014/main" xmlns="" id="{E5422D39-5700-42E9-887F-A22446232645}"/>
               </a:ext>
             </a:extLst>
           </p:cNvPr>
@@ -2262,7 +3130,7 @@
           <p:cNvPr id="8" name="テキスト ボックス 7">
             <a:extLst>
               <a:ext uri="{FF2B5EF4-FFF2-40B4-BE49-F238E27FC236}">
-                <a16:creationId xmlns:a16="http://schemas.microsoft.com/office/drawing/2014/main" id="{6FF0E8D3-434B-43F4-ACAB-F8D5845A79BD}"/>
+                <a16:creationId xmlns:a16="http://schemas.microsoft.com/office/drawing/2014/main" xmlns="" id="{6FF0E8D3-434B-43F4-ACAB-F8D5845A79BD}"/>
               </a:ext>
             </a:extLst>
           </p:cNvPr>
@@ -2472,7 +3340,7 @@
           <p:cNvPr id="8" name="テキスト ボックス 7">
             <a:extLst>
               <a:ext uri="{FF2B5EF4-FFF2-40B4-BE49-F238E27FC236}">
-                <a16:creationId xmlns:a16="http://schemas.microsoft.com/office/drawing/2014/main" id="{0C07C9A7-2C7A-479E-8A14-E5E5068DFD5E}"/>
+                <a16:creationId xmlns:a16="http://schemas.microsoft.com/office/drawing/2014/main" xmlns="" id="{0C07C9A7-2C7A-479E-8A14-E5E5068DFD5E}"/>
               </a:ext>
             </a:extLst>
           </p:cNvPr>
@@ -2685,7 +3553,7 @@
           <p:cNvPr id="4" name="テキスト ボックス 3">
             <a:extLst>
               <a:ext uri="{FF2B5EF4-FFF2-40B4-BE49-F238E27FC236}">
-                <a16:creationId xmlns:a16="http://schemas.microsoft.com/office/drawing/2014/main" id="{9215D4EC-C520-47A7-A87B-61E2B6F34AB7}"/>
+                <a16:creationId xmlns:a16="http://schemas.microsoft.com/office/drawing/2014/main" xmlns="" id="{9215D4EC-C520-47A7-A87B-61E2B6F34AB7}"/>
               </a:ext>
             </a:extLst>
           </p:cNvPr>
@@ -3521,7 +4389,7 @@
           <p:cNvPr id="6" name="Gerade Verbindung 4">
             <a:extLst>
               <a:ext uri="{FF2B5EF4-FFF2-40B4-BE49-F238E27FC236}">
-                <a16:creationId xmlns:a16="http://schemas.microsoft.com/office/drawing/2014/main" id="{57979797-8531-40C9-AA25-B52E6916CE05}"/>
+                <a16:creationId xmlns:a16="http://schemas.microsoft.com/office/drawing/2014/main" xmlns="" id="{57979797-8531-40C9-AA25-B52E6916CE05}"/>
               </a:ext>
             </a:extLst>
           </p:cNvPr>
@@ -3565,7 +4433,7 @@
           <p:cNvPr id="7" name="テキスト ボックス 6">
             <a:extLst>
               <a:ext uri="{FF2B5EF4-FFF2-40B4-BE49-F238E27FC236}">
-                <a16:creationId xmlns:a16="http://schemas.microsoft.com/office/drawing/2014/main" id="{CCA12777-30D4-4D1C-8DE6-98573AE3C7ED}"/>
+                <a16:creationId xmlns:a16="http://schemas.microsoft.com/office/drawing/2014/main" xmlns="" id="{CCA12777-30D4-4D1C-8DE6-98573AE3C7ED}"/>
               </a:ext>
             </a:extLst>
           </p:cNvPr>
@@ -3796,7 +4664,7 @@
           <p:cNvPr id="6" name="Gerade Verbindung 4">
             <a:extLst>
               <a:ext uri="{FF2B5EF4-FFF2-40B4-BE49-F238E27FC236}">
-                <a16:creationId xmlns:a16="http://schemas.microsoft.com/office/drawing/2014/main" id="{A15355D3-CEB8-489E-88A7-11B56E874514}"/>
+                <a16:creationId xmlns:a16="http://schemas.microsoft.com/office/drawing/2014/main" xmlns="" id="{A15355D3-CEB8-489E-88A7-11B56E874514}"/>
               </a:ext>
             </a:extLst>
           </p:cNvPr>
@@ -3840,7 +4708,7 @@
           <p:cNvPr id="8" name="テキスト ボックス 7">
             <a:extLst>
               <a:ext uri="{FF2B5EF4-FFF2-40B4-BE49-F238E27FC236}">
-                <a16:creationId xmlns:a16="http://schemas.microsoft.com/office/drawing/2014/main" id="{628D4BE4-8D41-47B8-82B8-4716B88FC765}"/>
+                <a16:creationId xmlns:a16="http://schemas.microsoft.com/office/drawing/2014/main" xmlns="" id="{628D4BE4-8D41-47B8-82B8-4716B88FC765}"/>
               </a:ext>
             </a:extLst>
           </p:cNvPr>
@@ -4071,7 +4939,7 @@
           <p:cNvPr id="7" name="Gerade Verbindung 4">
             <a:extLst>
               <a:ext uri="{FF2B5EF4-FFF2-40B4-BE49-F238E27FC236}">
-                <a16:creationId xmlns:a16="http://schemas.microsoft.com/office/drawing/2014/main" id="{BE3FFBE7-B0B8-40F2-A1F7-6933ED5360BE}"/>
+                <a16:creationId xmlns:a16="http://schemas.microsoft.com/office/drawing/2014/main" xmlns="" id="{BE3FFBE7-B0B8-40F2-A1F7-6933ED5360BE}"/>
               </a:ext>
             </a:extLst>
           </p:cNvPr>
@@ -4115,7 +4983,7 @@
           <p:cNvPr id="12" name="テキスト ボックス 11">
             <a:extLst>
               <a:ext uri="{FF2B5EF4-FFF2-40B4-BE49-F238E27FC236}">
-                <a16:creationId xmlns:a16="http://schemas.microsoft.com/office/drawing/2014/main" id="{5EAF2150-6F57-40CA-BDAB-D10D46B6BCF5}"/>
+                <a16:creationId xmlns:a16="http://schemas.microsoft.com/office/drawing/2014/main" xmlns="" id="{5EAF2150-6F57-40CA-BDAB-D10D46B6BCF5}"/>
               </a:ext>
             </a:extLst>
           </p:cNvPr>
@@ -4324,7 +5192,7 @@
           <p:cNvPr id="7" name="Gerade Verbindung 4">
             <a:extLst>
               <a:ext uri="{FF2B5EF4-FFF2-40B4-BE49-F238E27FC236}">
-                <a16:creationId xmlns:a16="http://schemas.microsoft.com/office/drawing/2014/main" id="{A82DFE47-0884-463E-8FD8-434DEC37F45F}"/>
+                <a16:creationId xmlns:a16="http://schemas.microsoft.com/office/drawing/2014/main" xmlns="" id="{A82DFE47-0884-463E-8FD8-434DEC37F45F}"/>
               </a:ext>
             </a:extLst>
           </p:cNvPr>
@@ -4368,7 +5236,7 @@
           <p:cNvPr id="8" name="テキスト ボックス 7">
             <a:extLst>
               <a:ext uri="{FF2B5EF4-FFF2-40B4-BE49-F238E27FC236}">
-                <a16:creationId xmlns:a16="http://schemas.microsoft.com/office/drawing/2014/main" id="{7C55447A-6505-45C3-AE39-4AE7D090C022}"/>
+                <a16:creationId xmlns:a16="http://schemas.microsoft.com/office/drawing/2014/main" xmlns="" id="{7C55447A-6505-45C3-AE39-4AE7D090C022}"/>
               </a:ext>
             </a:extLst>
           </p:cNvPr>
@@ -4708,7 +5576,7 @@
           <p:cNvPr id="10" name="Gerade Verbindung 4">
             <a:extLst>
               <a:ext uri="{FF2B5EF4-FFF2-40B4-BE49-F238E27FC236}">
-                <a16:creationId xmlns:a16="http://schemas.microsoft.com/office/drawing/2014/main" id="{B76D4DD0-4EDD-4DFD-9117-94AB0DE11A6B}"/>
+                <a16:creationId xmlns:a16="http://schemas.microsoft.com/office/drawing/2014/main" xmlns="" id="{B76D4DD0-4EDD-4DFD-9117-94AB0DE11A6B}"/>
               </a:ext>
             </a:extLst>
           </p:cNvPr>
@@ -4752,7 +5620,7 @@
           <p:cNvPr id="11" name="テキスト ボックス 10">
             <a:extLst>
               <a:ext uri="{FF2B5EF4-FFF2-40B4-BE49-F238E27FC236}">
-                <a16:creationId xmlns:a16="http://schemas.microsoft.com/office/drawing/2014/main" id="{5C2371FC-0F29-480A-B969-A89E454B9A4D}"/>
+                <a16:creationId xmlns:a16="http://schemas.microsoft.com/office/drawing/2014/main" xmlns="" id="{5C2371FC-0F29-480A-B969-A89E454B9A4D}"/>
               </a:ext>
             </a:extLst>
           </p:cNvPr>
@@ -4957,7 +5825,7 @@
           <p:cNvPr id="7" name="Gerade Verbindung 4">
             <a:extLst>
               <a:ext uri="{FF2B5EF4-FFF2-40B4-BE49-F238E27FC236}">
-                <a16:creationId xmlns:a16="http://schemas.microsoft.com/office/drawing/2014/main" id="{CE41CD3C-03A4-4769-A3DC-5D30FCB02D61}"/>
+                <a16:creationId xmlns:a16="http://schemas.microsoft.com/office/drawing/2014/main" xmlns="" id="{CE41CD3C-03A4-4769-A3DC-5D30FCB02D61}"/>
               </a:ext>
             </a:extLst>
           </p:cNvPr>
@@ -5001,7 +5869,7 @@
           <p:cNvPr id="8" name="テキスト ボックス 7">
             <a:extLst>
               <a:ext uri="{FF2B5EF4-FFF2-40B4-BE49-F238E27FC236}">
-                <a16:creationId xmlns:a16="http://schemas.microsoft.com/office/drawing/2014/main" id="{F491FE76-0178-4C83-9226-A156A31B3252}"/>
+                <a16:creationId xmlns:a16="http://schemas.microsoft.com/office/drawing/2014/main" xmlns="" id="{F491FE76-0178-4C83-9226-A156A31B3252}"/>
               </a:ext>
             </a:extLst>
           </p:cNvPr>
@@ -5204,7 +6072,7 @@
           <p:cNvPr id="8" name="Gerade Verbindung 4">
             <a:extLst>
               <a:ext uri="{FF2B5EF4-FFF2-40B4-BE49-F238E27FC236}">
-                <a16:creationId xmlns:a16="http://schemas.microsoft.com/office/drawing/2014/main" id="{48124AEF-254D-4661-97A8-FC2C4E7C939F}"/>
+                <a16:creationId xmlns:a16="http://schemas.microsoft.com/office/drawing/2014/main" xmlns="" id="{48124AEF-254D-4661-97A8-FC2C4E7C939F}"/>
               </a:ext>
             </a:extLst>
           </p:cNvPr>
@@ -5248,7 +6116,7 @@
           <p:cNvPr id="9" name="テキスト ボックス 8">
             <a:extLst>
               <a:ext uri="{FF2B5EF4-FFF2-40B4-BE49-F238E27FC236}">
-                <a16:creationId xmlns:a16="http://schemas.microsoft.com/office/drawing/2014/main" id="{63DBF616-3B50-4D44-BED7-0BF75E4E5F14}"/>
+                <a16:creationId xmlns:a16="http://schemas.microsoft.com/office/drawing/2014/main" xmlns="" id="{63DBF616-3B50-4D44-BED7-0BF75E4E5F14}"/>
               </a:ext>
             </a:extLst>
           </p:cNvPr>
@@ -5752,7 +6620,7 @@
           <p:cNvPr id="8" name="Rechteck 9">
             <a:extLst>
               <a:ext uri="{FF2B5EF4-FFF2-40B4-BE49-F238E27FC236}">
-                <a16:creationId xmlns:a16="http://schemas.microsoft.com/office/drawing/2014/main" id="{29F131B3-70D8-4212-9318-49432C1DE818}"/>
+                <a16:creationId xmlns:a16="http://schemas.microsoft.com/office/drawing/2014/main" xmlns="" id="{29F131B3-70D8-4212-9318-49432C1DE818}"/>
               </a:ext>
             </a:extLst>
           </p:cNvPr>
@@ -6514,7 +7382,7 @@
           <p:nvPr/>
         </p:nvPicPr>
         <p:blipFill>
-          <a:blip r:embed="rId2" cstate="print">
+          <a:blip r:embed="rId3" cstate="print">
             <a:extLst>
               <a:ext uri="{28A0092B-C50C-407E-A947-70E740481C1C}">
                 <a14:useLocalDpi xmlns:a14="http://schemas.microsoft.com/office/drawing/2010/main" val="0"/>
@@ -7233,7 +8101,7 @@
               <a:buChar char="•"/>
             </a:pPr>
             <a:r>
-              <a:rPr lang="en-US" sz="2400" smtClean="0">
+              <a:rPr lang="en-US" sz="2400" dirty="0" smtClean="0">
                 <a:latin typeface="Cambria" panose="02040503050406030204" pitchFamily="18" charset="0"/>
               </a:rPr>
               <a:t>Self investigate from internet</a:t>
@@ -7363,7 +8231,7 @@
         <p:spPr>
           <a:xfrm>
             <a:off x="467999" y="1918866"/>
-            <a:ext cx="8280920" cy="1200329"/>
+            <a:ext cx="8280920" cy="830997"/>
           </a:xfrm>
           <a:prstGeom prst="rect">
             <a:avLst/>
@@ -7381,12 +8249,24 @@
               <a:buChar char="•"/>
             </a:pPr>
             <a:r>
-              <a:rPr lang="en-US" sz="2400" smtClean="0">
+              <a:rPr lang="en-US" sz="2400" dirty="0" smtClean="0">
                 <a:latin typeface="Cambria" panose="02040503050406030204" pitchFamily="18" charset="0"/>
               </a:rPr>
-              <a:t>Sometimes misunderstanding system requirement from REE because requirement is transfer from REE -&gt; REL -&gt; RVC</a:t>
-            </a:r>
-            <a:endParaRPr lang="en-US" sz="2400">
+              <a:t>Sometimes </a:t>
+            </a:r>
+            <a:r>
+              <a:rPr lang="en-US" sz="2400" dirty="0" smtClean="0">
+                <a:latin typeface="Cambria" panose="02040503050406030204" pitchFamily="18" charset="0"/>
+              </a:rPr>
+              <a:t>misunderstand </a:t>
+            </a:r>
+            <a:r>
+              <a:rPr lang="en-US" sz="2400" dirty="0" smtClean="0">
+                <a:latin typeface="Cambria" panose="02040503050406030204" pitchFamily="18" charset="0"/>
+              </a:rPr>
+              <a:t>system requirement from REE because requirement is transfer from REE -&gt; REL -&gt; RVC</a:t>
+            </a:r>
+            <a:endParaRPr lang="en-US" sz="2400" dirty="0">
               <a:latin typeface="Cambria" panose="02040503050406030204" pitchFamily="18" charset="0"/>
             </a:endParaRPr>
           </a:p>
@@ -7631,12 +8511,12 @@
               <a:buChar char="•"/>
             </a:pPr>
             <a:r>
-              <a:rPr lang="en-US" sz="2400" smtClean="0">
+              <a:rPr lang="en-US" sz="2400" dirty="0" smtClean="0">
                 <a:latin typeface="Cambria" panose="02040503050406030204" pitchFamily="18" charset="0"/>
               </a:rPr>
               <a:t>Don’t have chance to improve C language as well as knowledge about module component functionality</a:t>
             </a:r>
-            <a:endParaRPr lang="en-US" sz="2400">
+            <a:endParaRPr lang="en-US" sz="2400" dirty="0">
               <a:latin typeface="Cambria" panose="02040503050406030204" pitchFamily="18" charset="0"/>
             </a:endParaRPr>
           </a:p>
@@ -7818,7 +8698,7 @@
           <p:cNvPr id="3" name="テキスト プレースホルダー 2">
             <a:extLst>
               <a:ext uri="{FF2B5EF4-FFF2-40B4-BE49-F238E27FC236}">
-                <a16:creationId xmlns:a16="http://schemas.microsoft.com/office/drawing/2014/main" id="{C6977B6C-8F54-4185-89AA-55C99D61719C}"/>
+                <a16:creationId xmlns:a16="http://schemas.microsoft.com/office/drawing/2014/main" xmlns="" id="{C6977B6C-8F54-4185-89AA-55C99D61719C}"/>
               </a:ext>
             </a:extLst>
           </p:cNvPr>
@@ -7886,7 +8766,7 @@
           <p:cNvPr id="4" name="テキスト プレースホルダー 3">
             <a:extLst>
               <a:ext uri="{FF2B5EF4-FFF2-40B4-BE49-F238E27FC236}">
-                <a16:creationId xmlns:a16="http://schemas.microsoft.com/office/drawing/2014/main" id="{B3D737A5-6BDA-4496-BFA2-48EC8B9E9EBA}"/>
+                <a16:creationId xmlns:a16="http://schemas.microsoft.com/office/drawing/2014/main" xmlns="" id="{B3D737A5-6BDA-4496-BFA2-48EC8B9E9EBA}"/>
               </a:ext>
             </a:extLst>
           </p:cNvPr>
@@ -8146,7 +9026,7 @@
           <p:nvPr/>
         </p:nvPicPr>
         <p:blipFill>
-          <a:blip r:embed="rId2">
+          <a:blip r:embed="rId3">
             <a:extLst>
               <a:ext uri="{28A0092B-C50C-407E-A947-70E740481C1C}">
                 <a14:useLocalDpi xmlns:a14="http://schemas.microsoft.com/office/drawing/2010/main" val="0"/>
@@ -8218,15 +9098,19 @@
           <a:lstStyle/>
           <a:p>
             <a:r>
-              <a:rPr lang="en-US" smtClean="0"/>
-              <a:t>Training Propress</a:t>
-            </a:r>
-            <a:r>
-              <a:rPr lang="en-US"/>
+              <a:rPr lang="en-US" dirty="0" smtClean="0"/>
+              <a:t>Training </a:t>
+            </a:r>
+            <a:r>
+              <a:rPr lang="en-US" dirty="0" smtClean="0"/>
+              <a:t>ProGress</a:t>
+            </a:r>
+            <a:r>
+              <a:rPr lang="en-US" dirty="0"/>
               <a:t/>
             </a:r>
             <a:br>
-              <a:rPr lang="en-US"/>
+              <a:rPr lang="en-US" dirty="0"/>
             </a:br>
             <a:endParaRPr lang="en-US" sz="2000" dirty="0"/>
           </a:p>
@@ -8294,7 +9178,7 @@
                 <a:gridCol w="2374899">
                   <a:extLst>
                     <a:ext uri="{9D8B030D-6E8A-4147-A177-3AD203B41FA5}">
-                      <a16:colId xmlns:a16="http://schemas.microsoft.com/office/drawing/2014/main" val="20000"/>
+                      <a16:colId xmlns:a16="http://schemas.microsoft.com/office/drawing/2014/main" xmlns="" val="20000"/>
                     </a:ext>
                   </a:extLst>
                 </a:gridCol>
@@ -8329,7 +9213,7 @@
                 </a:tc>
                 <a:extLst>
                   <a:ext uri="{0D108BD9-81ED-4DB2-BD59-A6C34878D82A}">
-                    <a16:rowId xmlns:a16="http://schemas.microsoft.com/office/drawing/2014/main" val="10000"/>
+                    <a16:rowId xmlns:a16="http://schemas.microsoft.com/office/drawing/2014/main" xmlns="" val="10000"/>
                   </a:ext>
                 </a:extLst>
               </a:tr>
@@ -8379,7 +9263,7 @@
                 </a:tc>
                 <a:extLst>
                   <a:ext uri="{0D108BD9-81ED-4DB2-BD59-A6C34878D82A}">
-                    <a16:rowId xmlns:a16="http://schemas.microsoft.com/office/drawing/2014/main" val="10001"/>
+                    <a16:rowId xmlns:a16="http://schemas.microsoft.com/office/drawing/2014/main" xmlns="" val="10001"/>
                   </a:ext>
                 </a:extLst>
               </a:tr>
@@ -8413,7 +9297,7 @@
                 </a:tc>
                 <a:extLst>
                   <a:ext uri="{0D108BD9-81ED-4DB2-BD59-A6C34878D82A}">
-                    <a16:rowId xmlns:a16="http://schemas.microsoft.com/office/drawing/2014/main" val="10002"/>
+                    <a16:rowId xmlns:a16="http://schemas.microsoft.com/office/drawing/2014/main" xmlns="" val="10002"/>
                   </a:ext>
                 </a:extLst>
               </a:tr>
@@ -8500,7 +9384,7 @@
                 </a:tc>
                 <a:extLst>
                   <a:ext uri="{0D108BD9-81ED-4DB2-BD59-A6C34878D82A}">
-                    <a16:rowId xmlns:a16="http://schemas.microsoft.com/office/drawing/2014/main" val="10004"/>
+                    <a16:rowId xmlns:a16="http://schemas.microsoft.com/office/drawing/2014/main" xmlns="" val="10004"/>
                   </a:ext>
                 </a:extLst>
               </a:tr>
@@ -8563,7 +9447,7 @@
                 </a:tc>
                 <a:extLst>
                   <a:ext uri="{0D108BD9-81ED-4DB2-BD59-A6C34878D82A}">
-                    <a16:rowId xmlns:a16="http://schemas.microsoft.com/office/drawing/2014/main" val="10005"/>
+                    <a16:rowId xmlns:a16="http://schemas.microsoft.com/office/drawing/2014/main" xmlns="" val="10005"/>
                   </a:ext>
                 </a:extLst>
               </a:tr>
@@ -8599,14 +9483,14 @@
                 <a:gridCol w="1185147">
                   <a:extLst>
                     <a:ext uri="{9D8B030D-6E8A-4147-A177-3AD203B41FA5}">
-                      <a16:colId xmlns:a16="http://schemas.microsoft.com/office/drawing/2014/main" val="20000"/>
+                      <a16:colId xmlns:a16="http://schemas.microsoft.com/office/drawing/2014/main" xmlns="" val="20000"/>
                     </a:ext>
                   </a:extLst>
                 </a:gridCol>
                 <a:gridCol w="1800620">
                   <a:extLst>
                     <a:ext uri="{9D8B030D-6E8A-4147-A177-3AD203B41FA5}">
-                      <a16:colId xmlns:a16="http://schemas.microsoft.com/office/drawing/2014/main" val="20012"/>
+                      <a16:colId xmlns:a16="http://schemas.microsoft.com/office/drawing/2014/main" xmlns="" val="20012"/>
                     </a:ext>
                   </a:extLst>
                 </a:gridCol>
@@ -8648,7 +9532,7 @@
                 </a:tc>
                 <a:extLst>
                   <a:ext uri="{0D108BD9-81ED-4DB2-BD59-A6C34878D82A}">
-                    <a16:rowId xmlns:a16="http://schemas.microsoft.com/office/drawing/2014/main" val="10000"/>
+                    <a16:rowId xmlns:a16="http://schemas.microsoft.com/office/drawing/2014/main" xmlns="" val="10000"/>
                   </a:ext>
                 </a:extLst>
               </a:tr>
@@ -8728,7 +9612,7 @@
                 </a:tc>
                 <a:extLst>
                   <a:ext uri="{0D108BD9-81ED-4DB2-BD59-A6C34878D82A}">
-                    <a16:rowId xmlns:a16="http://schemas.microsoft.com/office/drawing/2014/main" val="10001"/>
+                    <a16:rowId xmlns:a16="http://schemas.microsoft.com/office/drawing/2014/main" xmlns="" val="10001"/>
                   </a:ext>
                 </a:extLst>
               </a:tr>
@@ -8853,7 +9737,7 @@
                 </a:tc>
                 <a:extLst>
                   <a:ext uri="{0D108BD9-81ED-4DB2-BD59-A6C34878D82A}">
-                    <a16:rowId xmlns:a16="http://schemas.microsoft.com/office/drawing/2014/main" val="10002"/>
+                    <a16:rowId xmlns:a16="http://schemas.microsoft.com/office/drawing/2014/main" xmlns="" val="10002"/>
                   </a:ext>
                 </a:extLst>
               </a:tr>
@@ -8925,7 +9809,7 @@
                 </a:tc>
                 <a:extLst>
                   <a:ext uri="{0D108BD9-81ED-4DB2-BD59-A6C34878D82A}">
-                    <a16:rowId xmlns:a16="http://schemas.microsoft.com/office/drawing/2014/main" val="10003"/>
+                    <a16:rowId xmlns:a16="http://schemas.microsoft.com/office/drawing/2014/main" xmlns="" val="10003"/>
                   </a:ext>
                 </a:extLst>
               </a:tr>
@@ -8985,7 +9869,7 @@
                 </a:tc>
                 <a:extLst>
                   <a:ext uri="{0D108BD9-81ED-4DB2-BD59-A6C34878D82A}">
-                    <a16:rowId xmlns:a16="http://schemas.microsoft.com/office/drawing/2014/main" val="10005"/>
+                    <a16:rowId xmlns:a16="http://schemas.microsoft.com/office/drawing/2014/main" xmlns="" val="10005"/>
                   </a:ext>
                 </a:extLst>
               </a:tr>
@@ -9045,7 +9929,7 @@
                 </a:tc>
                 <a:extLst>
                   <a:ext uri="{0D108BD9-81ED-4DB2-BD59-A6C34878D82A}">
-                    <a16:rowId xmlns:a16="http://schemas.microsoft.com/office/drawing/2014/main" val="10006"/>
+                    <a16:rowId xmlns:a16="http://schemas.microsoft.com/office/drawing/2014/main" xmlns="" val="10006"/>
                   </a:ext>
                 </a:extLst>
               </a:tr>
@@ -9555,7 +10439,7 @@
           <p:nvPr>
             <p:extLst>
               <p:ext uri="{D42A27DB-BD31-4B8C-83A1-F6EECF244321}">
-                <p14:modId xmlns:p14="http://schemas.microsoft.com/office/powerpoint/2010/main" val="754215801"/>
+                <p14:modId xmlns:p14="http://schemas.microsoft.com/office/powerpoint/2010/main" val="345631842"/>
               </p:ext>
             </p:extLst>
           </p:nvPr>
@@ -9574,14 +10458,14 @@
                 <a:gridCol w="2749250">
                   <a:extLst>
                     <a:ext uri="{9D8B030D-6E8A-4147-A177-3AD203B41FA5}">
-                      <a16:colId xmlns:a16="http://schemas.microsoft.com/office/drawing/2014/main" val="1446276318"/>
+                      <a16:colId xmlns:a16="http://schemas.microsoft.com/office/drawing/2014/main" xmlns="" val="1446276318"/>
                     </a:ext>
                   </a:extLst>
                 </a:gridCol>
                 <a:gridCol w="3413036">
                   <a:extLst>
                     <a:ext uri="{9D8B030D-6E8A-4147-A177-3AD203B41FA5}">
-                      <a16:colId xmlns:a16="http://schemas.microsoft.com/office/drawing/2014/main" val="3200365764"/>
+                      <a16:colId xmlns:a16="http://schemas.microsoft.com/office/drawing/2014/main" xmlns="" val="3200365764"/>
                     </a:ext>
                   </a:extLst>
                 </a:gridCol>
@@ -9594,7 +10478,7 @@
                     <a:p>
                       <a:pPr algn="ctr"/>
                       <a:r>
-                        <a:rPr lang="en-US" sz="1000" smtClean="0"/>
+                        <a:rPr lang="en-US" sz="1000" dirty="0" smtClean="0"/>
                         <a:t>6/2019-12/2019</a:t>
                       </a:r>
                       <a:endParaRPr lang="en-US" sz="1000" dirty="0"/>
@@ -9623,7 +10507,7 @@
                 </a:tc>
                 <a:extLst>
                   <a:ext uri="{0D108BD9-81ED-4DB2-BD59-A6C34878D82A}">
-                    <a16:rowId xmlns:a16="http://schemas.microsoft.com/office/drawing/2014/main" val="849862320"/>
+                    <a16:rowId xmlns:a16="http://schemas.microsoft.com/office/drawing/2014/main" xmlns="" val="849862320"/>
                   </a:ext>
                 </a:extLst>
               </a:tr>
@@ -9734,7 +10618,7 @@
                 </a:tc>
                 <a:extLst>
                   <a:ext uri="{0D108BD9-81ED-4DB2-BD59-A6C34878D82A}">
-                    <a16:rowId xmlns:a16="http://schemas.microsoft.com/office/drawing/2014/main" val="3027715977"/>
+                    <a16:rowId xmlns:a16="http://schemas.microsoft.com/office/drawing/2014/main" xmlns="" val="3027715977"/>
                   </a:ext>
                 </a:extLst>
               </a:tr>
@@ -9835,11 +10719,11 @@
                         <a:defRPr/>
                       </a:pPr>
                       <a:r>
-                        <a:rPr lang="en-US" sz="1000" b="0" smtClean="0"/>
+                        <a:rPr lang="en-US" sz="1000" b="0" dirty="0" smtClean="0"/>
                         <a:t>Learn</a:t>
                       </a:r>
                       <a:r>
-                        <a:rPr lang="en-US" sz="1000" b="0" baseline="0" smtClean="0"/>
+                        <a:rPr lang="en-US" sz="1000" b="0" baseline="0" dirty="0" smtClean="0"/>
                         <a:t> about Git, Gitlab CI</a:t>
                       </a:r>
                     </a:p>
@@ -9862,8 +10746,16 @@
                         <a:defRPr/>
                       </a:pPr>
                       <a:r>
-                        <a:rPr lang="en-US" sz="1000" b="0" baseline="0" smtClean="0"/>
-                        <a:t>Use JIRA/Conflunce to manage task/document</a:t>
+                        <a:rPr lang="en-US" sz="1000" b="0" baseline="0" dirty="0" smtClean="0"/>
+                        <a:t>Use </a:t>
+                      </a:r>
+                      <a:r>
+                        <a:rPr lang="en-US" sz="1000" b="0" baseline="0" dirty="0" smtClean="0"/>
+                        <a:t>JIRA/Confluence </a:t>
+                      </a:r>
+                      <a:r>
+                        <a:rPr lang="en-US" sz="1000" b="0" baseline="0" dirty="0" smtClean="0"/>
+                        <a:t>to manage task/document</a:t>
                       </a:r>
                     </a:p>
                     <a:p>
@@ -9885,7 +10777,7 @@
                         <a:defRPr/>
                       </a:pPr>
                       <a:r>
-                        <a:rPr lang="en-US" sz="1000" b="0" baseline="0" smtClean="0"/>
+                        <a:rPr lang="en-US" sz="1000" b="0" baseline="0" dirty="0" smtClean="0"/>
                         <a:t>Follow defined Gitlab workflow for development</a:t>
                       </a:r>
                     </a:p>
@@ -9908,7 +10800,7 @@
                         <a:defRPr/>
                       </a:pPr>
                       <a:r>
-                        <a:rPr lang="en-US" sz="1000" b="0" baseline="0" smtClean="0"/>
+                        <a:rPr lang="en-US" sz="1000" b="0" baseline="0" dirty="0" smtClean="0"/>
                         <a:t>Support member to design/implement Automation test on CI</a:t>
                       </a:r>
                       <a:endParaRPr lang="en-US" sz="1000" b="0" dirty="0" smtClean="0"/>
@@ -9925,7 +10817,7 @@
                 </a:tc>
                 <a:extLst>
                   <a:ext uri="{0D108BD9-81ED-4DB2-BD59-A6C34878D82A}">
-                    <a16:rowId xmlns:a16="http://schemas.microsoft.com/office/drawing/2014/main" val="1601159465"/>
+                    <a16:rowId xmlns:a16="http://schemas.microsoft.com/office/drawing/2014/main" xmlns="" val="1601159465"/>
                   </a:ext>
                 </a:extLst>
               </a:tr>
@@ -9994,7 +10886,7 @@
                 </a:tc>
                 <a:extLst>
                   <a:ext uri="{0D108BD9-81ED-4DB2-BD59-A6C34878D82A}">
-                    <a16:rowId xmlns:a16="http://schemas.microsoft.com/office/drawing/2014/main" val="2090038432"/>
+                    <a16:rowId xmlns:a16="http://schemas.microsoft.com/office/drawing/2014/main" xmlns="" val="2090038432"/>
                   </a:ext>
                 </a:extLst>
               </a:tr>
@@ -10083,7 +10975,7 @@
                 </a:tc>
                 <a:extLst>
                   <a:ext uri="{0D108BD9-81ED-4DB2-BD59-A6C34878D82A}">
-                    <a16:rowId xmlns:a16="http://schemas.microsoft.com/office/drawing/2014/main" val="2037811699"/>
+                    <a16:rowId xmlns:a16="http://schemas.microsoft.com/office/drawing/2014/main" xmlns="" val="2037811699"/>
                   </a:ext>
                 </a:extLst>
               </a:tr>
@@ -10150,7 +11042,7 @@
                 </a:tc>
                 <a:extLst>
                   <a:ext uri="{0D108BD9-81ED-4DB2-BD59-A6C34878D82A}">
-                    <a16:rowId xmlns:a16="http://schemas.microsoft.com/office/drawing/2014/main" val="1656644866"/>
+                    <a16:rowId xmlns:a16="http://schemas.microsoft.com/office/drawing/2014/main" xmlns="" val="1656644866"/>
                   </a:ext>
                 </a:extLst>
               </a:tr>
@@ -10599,21 +11491,21 @@
                 <a:gridCol w="1811577">
                   <a:extLst>
                     <a:ext uri="{9D8B030D-6E8A-4147-A177-3AD203B41FA5}">
-                      <a16:colId xmlns:a16="http://schemas.microsoft.com/office/drawing/2014/main" val="1604231258"/>
+                      <a16:colId xmlns:a16="http://schemas.microsoft.com/office/drawing/2014/main" xmlns="" val="1604231258"/>
                     </a:ext>
                   </a:extLst>
                 </a:gridCol>
                 <a:gridCol w="2160240">
                   <a:extLst>
                     <a:ext uri="{9D8B030D-6E8A-4147-A177-3AD203B41FA5}">
-                      <a16:colId xmlns:a16="http://schemas.microsoft.com/office/drawing/2014/main" val="967038108"/>
+                      <a16:colId xmlns:a16="http://schemas.microsoft.com/office/drawing/2014/main" xmlns="" val="967038108"/>
                     </a:ext>
                   </a:extLst>
                 </a:gridCol>
                 <a:gridCol w="7686783">
                   <a:extLst>
                     <a:ext uri="{9D8B030D-6E8A-4147-A177-3AD203B41FA5}">
-                      <a16:colId xmlns:a16="http://schemas.microsoft.com/office/drawing/2014/main" val="3416256113"/>
+                      <a16:colId xmlns:a16="http://schemas.microsoft.com/office/drawing/2014/main" xmlns="" val="3416256113"/>
                     </a:ext>
                   </a:extLst>
                 </a:gridCol>
@@ -10801,7 +11693,7 @@
                 </a:tc>
                 <a:extLst>
                   <a:ext uri="{0D108BD9-81ED-4DB2-BD59-A6C34878D82A}">
-                    <a16:rowId xmlns:a16="http://schemas.microsoft.com/office/drawing/2014/main" val="3191488594"/>
+                    <a16:rowId xmlns:a16="http://schemas.microsoft.com/office/drawing/2014/main" xmlns="" val="3191488594"/>
                   </a:ext>
                 </a:extLst>
               </a:tr>
@@ -11075,7 +11967,7 @@
                 </a:tc>
                 <a:extLst>
                   <a:ext uri="{0D108BD9-81ED-4DB2-BD59-A6C34878D82A}">
-                    <a16:rowId xmlns:a16="http://schemas.microsoft.com/office/drawing/2014/main" val="1207800691"/>
+                    <a16:rowId xmlns:a16="http://schemas.microsoft.com/office/drawing/2014/main" xmlns="" val="1207800691"/>
                   </a:ext>
                 </a:extLst>
               </a:tr>
@@ -11332,7 +12224,7 @@
                 </a:tc>
                 <a:extLst>
                   <a:ext uri="{0D108BD9-81ED-4DB2-BD59-A6C34878D82A}">
-                    <a16:rowId xmlns:a16="http://schemas.microsoft.com/office/drawing/2014/main" val="287089240"/>
+                    <a16:rowId xmlns:a16="http://schemas.microsoft.com/office/drawing/2014/main" xmlns="" val="287089240"/>
                   </a:ext>
                 </a:extLst>
               </a:tr>
@@ -11414,7 +12306,7 @@
           <p:nvPr>
             <p:extLst>
               <p:ext uri="{D42A27DB-BD31-4B8C-83A1-F6EECF244321}">
-                <p14:modId xmlns:p14="http://schemas.microsoft.com/office/powerpoint/2010/main" val="2992400795"/>
+                <p14:modId xmlns:p14="http://schemas.microsoft.com/office/powerpoint/2010/main" val="1035612308"/>
               </p:ext>
             </p:extLst>
           </p:nvPr>
@@ -11433,21 +12325,21 @@
                 <a:gridCol w="1440160">
                   <a:extLst>
                     <a:ext uri="{9D8B030D-6E8A-4147-A177-3AD203B41FA5}">
-                      <a16:colId xmlns:a16="http://schemas.microsoft.com/office/drawing/2014/main" val="1604231258"/>
+                      <a16:colId xmlns:a16="http://schemas.microsoft.com/office/drawing/2014/main" xmlns="" val="1604231258"/>
                     </a:ext>
                   </a:extLst>
                 </a:gridCol>
                 <a:gridCol w="3240360">
                   <a:extLst>
                     <a:ext uri="{9D8B030D-6E8A-4147-A177-3AD203B41FA5}">
-                      <a16:colId xmlns:a16="http://schemas.microsoft.com/office/drawing/2014/main" val="967038108"/>
+                      <a16:colId xmlns:a16="http://schemas.microsoft.com/office/drawing/2014/main" xmlns="" val="967038108"/>
                     </a:ext>
                   </a:extLst>
                 </a:gridCol>
                 <a:gridCol w="6978080">
                   <a:extLst>
                     <a:ext uri="{9D8B030D-6E8A-4147-A177-3AD203B41FA5}">
-                      <a16:colId xmlns:a16="http://schemas.microsoft.com/office/drawing/2014/main" val="3416256113"/>
+                      <a16:colId xmlns:a16="http://schemas.microsoft.com/office/drawing/2014/main" xmlns="" val="3416256113"/>
                     </a:ext>
                   </a:extLst>
                 </a:gridCol>
@@ -11460,12 +12352,12 @@
                     <a:p>
                       <a:pPr algn="ctr"/>
                       <a:r>
-                        <a:rPr lang="en-US" smtClean="0">
+                        <a:rPr lang="en-US" dirty="0" smtClean="0">
                           <a:latin typeface="Cambria" panose="02040503050406030204" pitchFamily="18" charset="0"/>
                         </a:rPr>
                         <a:t>Skill</a:t>
                       </a:r>
-                      <a:endParaRPr lang="en-US">
+                      <a:endParaRPr lang="en-US" dirty="0">
                         <a:latin typeface="Cambria" panose="02040503050406030204" pitchFamily="18" charset="0"/>
                       </a:endParaRPr>
                     </a:p>
@@ -11635,7 +12527,7 @@
                 </a:tc>
                 <a:extLst>
                   <a:ext uri="{0D108BD9-81ED-4DB2-BD59-A6C34878D82A}">
-                    <a16:rowId xmlns:a16="http://schemas.microsoft.com/office/drawing/2014/main" val="3191488594"/>
+                    <a16:rowId xmlns:a16="http://schemas.microsoft.com/office/drawing/2014/main" xmlns="" val="3191488594"/>
                   </a:ext>
                 </a:extLst>
               </a:tr>
@@ -11964,7 +12856,7 @@
                 </a:tc>
                 <a:extLst>
                   <a:ext uri="{0D108BD9-81ED-4DB2-BD59-A6C34878D82A}">
-                    <a16:rowId xmlns:a16="http://schemas.microsoft.com/office/drawing/2014/main" val="1207800691"/>
+                    <a16:rowId xmlns:a16="http://schemas.microsoft.com/office/drawing/2014/main" xmlns="" val="1207800691"/>
                   </a:ext>
                 </a:extLst>
               </a:tr>
@@ -12151,25 +13043,25 @@
                         <a:buChar char="•"/>
                       </a:pPr>
                       <a:r>
-                        <a:rPr lang="en-US" sz="1500" smtClean="0">
+                        <a:rPr lang="en-US" sz="1500" dirty="0" smtClean="0">
                           <a:latin typeface="Cambria" panose="02040503050406030204" pitchFamily="18" charset="0"/>
                         </a:rPr>
                         <a:t>Develop</a:t>
                       </a:r>
                       <a:r>
-                        <a:rPr lang="en-US" sz="1500" baseline="0" smtClean="0">
+                        <a:rPr lang="en-US" sz="1500" baseline="0" dirty="0" smtClean="0">
                           <a:latin typeface="Cambria" panose="02040503050406030204" pitchFamily="18" charset="0"/>
                         </a:rPr>
                         <a:t> f</a:t>
                       </a:r>
                       <a:r>
-                        <a:rPr lang="en-US" sz="1500" smtClean="0">
+                        <a:rPr lang="en-US" sz="1500" dirty="0" smtClean="0">
                           <a:latin typeface="Cambria" panose="02040503050406030204" pitchFamily="18" charset="0"/>
                         </a:rPr>
                         <a:t>ollowing</a:t>
                       </a:r>
                       <a:r>
-                        <a:rPr lang="en-US" sz="1500" baseline="0" smtClean="0">
+                        <a:rPr lang="en-US" sz="1500" baseline="0" dirty="0" smtClean="0">
                           <a:latin typeface="Cambria" panose="02040503050406030204" pitchFamily="18" charset="0"/>
                         </a:rPr>
                         <a:t> Gitlab workflow</a:t>
@@ -12181,10 +13073,34 @@
                         <a:buChar char="•"/>
                       </a:pPr>
                       <a:r>
-                        <a:rPr lang="en-US" sz="1500" baseline="0" smtClean="0">
+                        <a:rPr lang="en-US" sz="1500" baseline="0" dirty="0" smtClean="0">
                           <a:latin typeface="Cambria" panose="02040503050406030204" pitchFamily="18" charset="0"/>
                         </a:rPr>
-                        <a:t>Understand development environment/build system  of FreeRTOS, QNX, Linux, Windows SIL OS to intergrated it into RCar Env build system</a:t>
+                        <a:t>Understand development environment/build </a:t>
+                      </a:r>
+                      <a:r>
+                        <a:rPr lang="en-US" sz="1500" baseline="0" dirty="0" smtClean="0">
+                          <a:latin typeface="Cambria" panose="02040503050406030204" pitchFamily="18" charset="0"/>
+                        </a:rPr>
+                        <a:t>system </a:t>
+                      </a:r>
+                      <a:r>
+                        <a:rPr lang="en-US" sz="1500" baseline="0" dirty="0" smtClean="0">
+                          <a:latin typeface="Cambria" panose="02040503050406030204" pitchFamily="18" charset="0"/>
+                        </a:rPr>
+                        <a:t>of FreeRTOS, QNX, Linux, Windows SIL OS to </a:t>
+                      </a:r>
+                      <a:r>
+                        <a:rPr lang="en-US" sz="1500" baseline="0" dirty="0" smtClean="0">
+                          <a:latin typeface="Cambria" panose="02040503050406030204" pitchFamily="18" charset="0"/>
+                        </a:rPr>
+                        <a:t>intergrate </a:t>
+                      </a:r>
+                      <a:r>
+                        <a:rPr lang="en-US" sz="1500" baseline="0" dirty="0" smtClean="0">
+                          <a:latin typeface="Cambria" panose="02040503050406030204" pitchFamily="18" charset="0"/>
+                        </a:rPr>
+                        <a:t>it into RCar Env build system</a:t>
                       </a:r>
                     </a:p>
                     <a:p>
@@ -12193,12 +13109,12 @@
                         <a:buChar char="•"/>
                       </a:pPr>
                       <a:r>
-                        <a:rPr lang="en-US" sz="1500" baseline="0" smtClean="0">
+                        <a:rPr lang="en-US" sz="1500" baseline="0" dirty="0" smtClean="0">
                           <a:latin typeface="Cambria" panose="02040503050406030204" pitchFamily="18" charset="0"/>
                         </a:rPr>
                         <a:t>Understand Gitlab CI to apply automation feature for RCar Env</a:t>
                       </a:r>
-                      <a:endParaRPr lang="en-US" sz="1500">
+                      <a:endParaRPr lang="en-US" sz="1500" dirty="0">
                         <a:latin typeface="Cambria" panose="02040503050406030204" pitchFamily="18" charset="0"/>
                       </a:endParaRPr>
                     </a:p>
@@ -12244,7 +13160,7 @@
                 </a:tc>
                 <a:extLst>
                   <a:ext uri="{0D108BD9-81ED-4DB2-BD59-A6C34878D82A}">
-                    <a16:rowId xmlns:a16="http://schemas.microsoft.com/office/drawing/2014/main" val="287089240"/>
+                    <a16:rowId xmlns:a16="http://schemas.microsoft.com/office/drawing/2014/main" xmlns="" val="287089240"/>
                   </a:ext>
                 </a:extLst>
               </a:tr>
@@ -12393,13 +13309,13 @@
                         <a:buChar char="•"/>
                       </a:pPr>
                       <a:r>
-                        <a:rPr lang="en-US" sz="1500" smtClean="0">
+                        <a:rPr lang="en-US" sz="1500" dirty="0" smtClean="0">
                           <a:latin typeface="Cambria" panose="02040503050406030204" pitchFamily="18" charset="0"/>
                         </a:rPr>
                         <a:t>Review source code</a:t>
                       </a:r>
                       <a:r>
-                        <a:rPr lang="en-US" sz="1500" baseline="0" smtClean="0">
+                        <a:rPr lang="en-US" sz="1500" baseline="0" dirty="0" smtClean="0">
                           <a:latin typeface="Cambria" panose="02040503050406030204" pitchFamily="18" charset="0"/>
                         </a:rPr>
                         <a:t> of colleague and propose solution to fix (if any)</a:t>
@@ -12411,7 +13327,7 @@
                         <a:buChar char="•"/>
                       </a:pPr>
                       <a:r>
-                        <a:rPr lang="en-US" sz="1500" baseline="0" smtClean="0">
+                        <a:rPr lang="en-US" sz="1500" baseline="0" dirty="0" smtClean="0">
                           <a:latin typeface="Cambria" panose="02040503050406030204" pitchFamily="18" charset="0"/>
                         </a:rPr>
                         <a:t>Follow Coding rule</a:t>
@@ -12423,11 +13339,20 @@
                         <a:buChar char="•"/>
                       </a:pPr>
                       <a:r>
-                        <a:rPr lang="en-US" sz="1500" baseline="0" smtClean="0">
+                        <a:rPr lang="en-US" sz="1500" baseline="0" dirty="0" smtClean="0">
                           <a:latin typeface="Cambria" panose="02040503050406030204" pitchFamily="18" charset="0"/>
                         </a:rPr>
-                        <a:t>Modularize each build system feature and manage it in different files /functions</a:t>
-                      </a:r>
+                        <a:t>Modularize each build system feature and manage it in different </a:t>
+                      </a:r>
+                      <a:r>
+                        <a:rPr lang="en-US" sz="1500" baseline="0" dirty="0" smtClean="0">
+                          <a:latin typeface="Cambria" panose="02040503050406030204" pitchFamily="18" charset="0"/>
+                        </a:rPr>
+                        <a:t>files/ functions</a:t>
+                      </a:r>
+                      <a:endParaRPr lang="en-US" sz="1500" baseline="0" dirty="0" smtClean="0">
+                        <a:latin typeface="Cambria" panose="02040503050406030204" pitchFamily="18" charset="0"/>
+                      </a:endParaRPr>
                     </a:p>
                     <a:p>
                       <a:pPr marL="285750" indent="-285750" algn="l">
@@ -12435,12 +13360,12 @@
                         <a:buChar char="•"/>
                       </a:pPr>
                       <a:r>
-                        <a:rPr lang="en-US" sz="1500" baseline="0" smtClean="0">
+                        <a:rPr lang="en-US" sz="1500" baseline="0" dirty="0" smtClean="0">
                           <a:latin typeface="Cambria" panose="02040503050406030204" pitchFamily="18" charset="0"/>
                         </a:rPr>
                         <a:t>Create CMake template/guideline for developer to use RCarEnv</a:t>
                       </a:r>
-                      <a:endParaRPr lang="en-US" sz="1500">
+                      <a:endParaRPr lang="en-US" sz="1500" dirty="0">
                         <a:latin typeface="Cambria" panose="02040503050406030204" pitchFamily="18" charset="0"/>
                       </a:endParaRPr>
                     </a:p>
@@ -12486,7 +13411,7 @@
                 </a:tc>
                 <a:extLst>
                   <a:ext uri="{0D108BD9-81ED-4DB2-BD59-A6C34878D82A}">
-                    <a16:rowId xmlns:a16="http://schemas.microsoft.com/office/drawing/2014/main" val="427828033"/>
+                    <a16:rowId xmlns:a16="http://schemas.microsoft.com/office/drawing/2014/main" xmlns="" val="427828033"/>
                   </a:ext>
                 </a:extLst>
               </a:tr>
@@ -12568,7 +13493,7 @@
           <p:nvPr>
             <p:extLst>
               <p:ext uri="{D42A27DB-BD31-4B8C-83A1-F6EECF244321}">
-                <p14:modId xmlns:p14="http://schemas.microsoft.com/office/powerpoint/2010/main" val="3559063089"/>
+                <p14:modId xmlns:p14="http://schemas.microsoft.com/office/powerpoint/2010/main" val="3324934507"/>
               </p:ext>
             </p:extLst>
           </p:nvPr>
@@ -12587,21 +13512,21 @@
                 <a:gridCol w="2304256">
                   <a:extLst>
                     <a:ext uri="{9D8B030D-6E8A-4147-A177-3AD203B41FA5}">
-                      <a16:colId xmlns:a16="http://schemas.microsoft.com/office/drawing/2014/main" val="1604231258"/>
+                      <a16:colId xmlns:a16="http://schemas.microsoft.com/office/drawing/2014/main" xmlns="" val="1604231258"/>
                     </a:ext>
                   </a:extLst>
                 </a:gridCol>
                 <a:gridCol w="1872208">
                   <a:extLst>
                     <a:ext uri="{9D8B030D-6E8A-4147-A177-3AD203B41FA5}">
-                      <a16:colId xmlns:a16="http://schemas.microsoft.com/office/drawing/2014/main" val="967038108"/>
+                      <a16:colId xmlns:a16="http://schemas.microsoft.com/office/drawing/2014/main" xmlns="" val="967038108"/>
                     </a:ext>
                   </a:extLst>
                 </a:gridCol>
                 <a:gridCol w="7482136">
                   <a:extLst>
                     <a:ext uri="{9D8B030D-6E8A-4147-A177-3AD203B41FA5}">
-                      <a16:colId xmlns:a16="http://schemas.microsoft.com/office/drawing/2014/main" val="3416256113"/>
+                      <a16:colId xmlns:a16="http://schemas.microsoft.com/office/drawing/2014/main" xmlns="" val="3416256113"/>
                     </a:ext>
                   </a:extLst>
                 </a:gridCol>
@@ -12614,12 +13539,12 @@
                     <a:p>
                       <a:pPr algn="ctr"/>
                       <a:r>
-                        <a:rPr lang="en-US" smtClean="0">
+                        <a:rPr lang="en-US" dirty="0" smtClean="0">
                           <a:latin typeface="Cambria" panose="02040503050406030204" pitchFamily="18" charset="0"/>
                         </a:rPr>
                         <a:t>Skill</a:t>
                       </a:r>
-                      <a:endParaRPr lang="en-US">
+                      <a:endParaRPr lang="en-US" dirty="0">
                         <a:latin typeface="Cambria" panose="02040503050406030204" pitchFamily="18" charset="0"/>
                       </a:endParaRPr>
                     </a:p>
@@ -12789,7 +13714,7 @@
                 </a:tc>
                 <a:extLst>
                   <a:ext uri="{0D108BD9-81ED-4DB2-BD59-A6C34878D82A}">
-                    <a16:rowId xmlns:a16="http://schemas.microsoft.com/office/drawing/2014/main" val="3191488594"/>
+                    <a16:rowId xmlns:a16="http://schemas.microsoft.com/office/drawing/2014/main" xmlns="" val="3191488594"/>
                   </a:ext>
                 </a:extLst>
               </a:tr>
@@ -12925,16 +13850,10 @@
                         <a:buChar char="•"/>
                       </a:pPr>
                       <a:r>
-                        <a:rPr lang="en-US" sz="1500" baseline="0" smtClean="0">
+                        <a:rPr lang="en-US" sz="1500" baseline="0" dirty="0" smtClean="0">
                           <a:latin typeface="Cambria" panose="02040503050406030204" pitchFamily="18" charset="0"/>
                         </a:rPr>
-                        <a:t>Able to hold a meeting to share RCar Env Knowledge to other teams</a:t>
-                      </a:r>
-                      <a:r>
-                        <a:rPr lang="en-US" sz="1500" baseline="0" smtClean="0">
-                          <a:latin typeface="Cambria" panose="02040503050406030204" pitchFamily="18" charset="0"/>
-                        </a:rPr>
-                        <a:t>.</a:t>
+                        <a:t>Able to hold a meeting to share RCar Env Knowledge to other teams.</a:t>
                       </a:r>
                     </a:p>
                     <a:p>
@@ -12943,14 +13862,11 @@
                         <a:buChar char="•"/>
                       </a:pPr>
                       <a:r>
-                        <a:rPr lang="en-US" sz="1500" baseline="0" smtClean="0">
+                        <a:rPr lang="en-US" sz="1500" baseline="0" dirty="0" smtClean="0">
                           <a:latin typeface="Cambria" panose="02040503050406030204" pitchFamily="18" charset="0"/>
                         </a:rPr>
                         <a:t>Trainer of Fuego topic in 30G Training activities</a:t>
                       </a:r>
-                      <a:endParaRPr lang="en-US" sz="1500" baseline="0" smtClean="0">
-                        <a:latin typeface="Cambria" panose="02040503050406030204" pitchFamily="18" charset="0"/>
-                      </a:endParaRPr>
                     </a:p>
                   </a:txBody>
                   <a:tcPr anchor="ctr">
@@ -12994,7 +13910,7 @@
                 </a:tc>
                 <a:extLst>
                   <a:ext uri="{0D108BD9-81ED-4DB2-BD59-A6C34878D82A}">
-                    <a16:rowId xmlns:a16="http://schemas.microsoft.com/office/drawing/2014/main" val="1207800691"/>
+                    <a16:rowId xmlns:a16="http://schemas.microsoft.com/office/drawing/2014/main" xmlns="" val="1207800691"/>
                   </a:ext>
                 </a:extLst>
               </a:tr>
@@ -13006,7 +13922,7 @@
                     <a:p>
                       <a:pPr algn="l"/>
                       <a:r>
-                        <a:rPr kumimoji="1" lang="en-US" sz="1500" b="0" i="0" kern="1200" smtClean="0">
+                        <a:rPr kumimoji="1" lang="en-US" sz="1500" b="0" i="0" kern="1200" dirty="0" smtClean="0">
                           <a:solidFill>
                             <a:schemeClr val="tx1"/>
                           </a:solidFill>
@@ -13015,9 +13931,21 @@
                           <a:ea typeface="+mn-ea"/>
                           <a:cs typeface="+mn-cs"/>
                         </a:rPr>
-                        <a:t>Development/management support</a:t>
-                      </a:r>
-                      <a:endParaRPr lang="en-US" sz="1500">
+                        <a:t>Management </a:t>
+                      </a:r>
+                      <a:r>
+                        <a:rPr kumimoji="1" lang="en-US" sz="1500" b="0" i="0" kern="1200" dirty="0" smtClean="0">
+                          <a:solidFill>
+                            <a:schemeClr val="tx1"/>
+                          </a:solidFill>
+                          <a:effectLst/>
+                          <a:latin typeface="+mn-lt"/>
+                          <a:ea typeface="+mn-ea"/>
+                          <a:cs typeface="+mn-cs"/>
+                        </a:rPr>
+                        <a:t>support</a:t>
+                      </a:r>
+                      <a:endParaRPr lang="en-US" sz="1500" dirty="0">
                         <a:latin typeface="Cambria" panose="02040503050406030204" pitchFamily="18" charset="0"/>
                       </a:endParaRPr>
                     </a:p>
@@ -13130,13 +14058,13 @@
                         <a:buChar char="•"/>
                       </a:pPr>
                       <a:r>
-                        <a:rPr lang="en-US" sz="1500" smtClean="0">
+                        <a:rPr lang="en-US" sz="1500" dirty="0" smtClean="0">
                           <a:latin typeface="Cambria" panose="02040503050406030204" pitchFamily="18" charset="0"/>
                         </a:rPr>
                         <a:t>Able to create Project</a:t>
                       </a:r>
                       <a:r>
-                        <a:rPr lang="en-US" sz="1500" baseline="0" smtClean="0">
+                        <a:rPr lang="en-US" sz="1500" baseline="0" dirty="0" smtClean="0">
                           <a:latin typeface="Cambria" panose="02040503050406030204" pitchFamily="18" charset="0"/>
                         </a:rPr>
                         <a:t> Plan and related documents. (e.g: Project WBS when has COVID19)</a:t>
@@ -13148,7 +14076,7 @@
                         <a:buChar char="•"/>
                       </a:pPr>
                       <a:r>
-                        <a:rPr lang="en-US" sz="1500" baseline="0" smtClean="0">
+                        <a:rPr lang="en-US" sz="1500" baseline="0" dirty="0" smtClean="0">
                           <a:latin typeface="Cambria" panose="02040503050406030204" pitchFamily="18" charset="0"/>
                         </a:rPr>
                         <a:t>Able to assign task to member (define clearly input/output and breakdown) and give an approach/solution when they has issues.</a:t>
@@ -13160,7 +14088,7 @@
                         <a:buChar char="•"/>
                       </a:pPr>
                       <a:r>
-                        <a:rPr lang="en-US" sz="1500" baseline="0" smtClean="0">
+                        <a:rPr lang="en-US" sz="1500" baseline="0" dirty="0" smtClean="0">
                           <a:latin typeface="Cambria" panose="02040503050406030204" pitchFamily="18" charset="0"/>
                         </a:rPr>
                         <a:t>Create training plan for new members</a:t>
@@ -13171,7 +14099,7 @@
                         <a:buFont typeface="Arial" panose="020B0604020202020204" pitchFamily="34" charset="0"/>
                         <a:buChar char="•"/>
                       </a:pPr>
-                      <a:endParaRPr lang="en-US" sz="1500">
+                      <a:endParaRPr lang="en-US" sz="1500" dirty="0">
                         <a:latin typeface="Cambria" panose="02040503050406030204" pitchFamily="18" charset="0"/>
                       </a:endParaRPr>
                     </a:p>
@@ -13217,7 +14145,7 @@
                 </a:tc>
                 <a:extLst>
                   <a:ext uri="{0D108BD9-81ED-4DB2-BD59-A6C34878D82A}">
-                    <a16:rowId xmlns:a16="http://schemas.microsoft.com/office/drawing/2014/main" val="287089240"/>
+                    <a16:rowId xmlns:a16="http://schemas.microsoft.com/office/drawing/2014/main" xmlns="" val="287089240"/>
                   </a:ext>
                 </a:extLst>
               </a:tr>
@@ -13360,13 +14288,13 @@
                         <a:buChar char="•"/>
                       </a:pPr>
                       <a:r>
-                        <a:rPr lang="en-US" sz="1500" smtClean="0">
+                        <a:rPr lang="en-US" sz="1500" dirty="0" smtClean="0">
                           <a:latin typeface="Cambria" panose="02040503050406030204" pitchFamily="18" charset="0"/>
                         </a:rPr>
                         <a:t>Build up infrastructure by</a:t>
                       </a:r>
                       <a:r>
-                        <a:rPr lang="en-US" sz="1500" baseline="0" smtClean="0">
+                        <a:rPr lang="en-US" sz="1500" baseline="0" dirty="0" smtClean="0">
                           <a:latin typeface="Cambria" panose="02040503050406030204" pitchFamily="18" charset="0"/>
                         </a:rPr>
                         <a:t> using Kubernetes (Fuego/ Gerrit/ Drawio/ Mediawiki/…)</a:t>
@@ -13378,12 +14306,30 @@
                         <a:buChar char="•"/>
                       </a:pPr>
                       <a:r>
-                        <a:rPr lang="en-US" sz="1500" baseline="0" smtClean="0">
+                        <a:rPr lang="en-US" sz="1500" baseline="0" dirty="0" smtClean="0">
                           <a:latin typeface="Cambria" panose="02040503050406030204" pitchFamily="18" charset="0"/>
                         </a:rPr>
-                        <a:t>Maintain/update based on the feedback from user </a:t>
-                      </a:r>
-                      <a:endParaRPr lang="en-US" sz="1500">
+                        <a:t>Maintain/update </a:t>
+                      </a:r>
+                      <a:r>
+                        <a:rPr lang="en-US" sz="1500" dirty="0" smtClean="0">
+                          <a:latin typeface="Cambria" panose="02040503050406030204" pitchFamily="18" charset="0"/>
+                        </a:rPr>
+                        <a:t>infrastructure </a:t>
+                      </a:r>
+                      <a:r>
+                        <a:rPr lang="en-US" sz="1500" baseline="0" dirty="0" smtClean="0">
+                          <a:latin typeface="Cambria" panose="02040503050406030204" pitchFamily="18" charset="0"/>
+                        </a:rPr>
+                        <a:t>based </a:t>
+                      </a:r>
+                      <a:r>
+                        <a:rPr lang="en-US" sz="1500" baseline="0" dirty="0" smtClean="0">
+                          <a:latin typeface="Cambria" panose="02040503050406030204" pitchFamily="18" charset="0"/>
+                        </a:rPr>
+                        <a:t>on the feedback from user </a:t>
+                      </a:r>
+                      <a:endParaRPr lang="en-US" sz="1500" dirty="0">
                         <a:latin typeface="Cambria" panose="02040503050406030204" pitchFamily="18" charset="0"/>
                       </a:endParaRPr>
                     </a:p>
@@ -13429,7 +14375,7 @@
                 </a:tc>
                 <a:extLst>
                   <a:ext uri="{0D108BD9-81ED-4DB2-BD59-A6C34878D82A}">
-                    <a16:rowId xmlns:a16="http://schemas.microsoft.com/office/drawing/2014/main" val="66550039"/>
+                    <a16:rowId xmlns:a16="http://schemas.microsoft.com/office/drawing/2014/main" xmlns="" val="66550039"/>
                   </a:ext>
                 </a:extLst>
               </a:tr>
@@ -13530,21 +14476,21 @@
                 <a:gridCol w="1584176">
                   <a:extLst>
                     <a:ext uri="{9D8B030D-6E8A-4147-A177-3AD203B41FA5}">
-                      <a16:colId xmlns:a16="http://schemas.microsoft.com/office/drawing/2014/main" val="1604231258"/>
+                      <a16:colId xmlns:a16="http://schemas.microsoft.com/office/drawing/2014/main" xmlns="" val="1604231258"/>
                     </a:ext>
                   </a:extLst>
                 </a:gridCol>
                 <a:gridCol w="4608512">
                   <a:extLst>
                     <a:ext uri="{9D8B030D-6E8A-4147-A177-3AD203B41FA5}">
-                      <a16:colId xmlns:a16="http://schemas.microsoft.com/office/drawing/2014/main" val="967038108"/>
+                      <a16:colId xmlns:a16="http://schemas.microsoft.com/office/drawing/2014/main" xmlns="" val="967038108"/>
                     </a:ext>
                   </a:extLst>
                 </a:gridCol>
                 <a:gridCol w="5465912">
                   <a:extLst>
                     <a:ext uri="{9D8B030D-6E8A-4147-A177-3AD203B41FA5}">
-                      <a16:colId xmlns:a16="http://schemas.microsoft.com/office/drawing/2014/main" val="3416256113"/>
+                      <a16:colId xmlns:a16="http://schemas.microsoft.com/office/drawing/2014/main" xmlns="" val="3416256113"/>
                     </a:ext>
                   </a:extLst>
                 </a:gridCol>
@@ -13557,12 +14503,12 @@
                     <a:p>
                       <a:pPr algn="ctr"/>
                       <a:r>
-                        <a:rPr lang="en-US" smtClean="0">
+                        <a:rPr lang="en-US" dirty="0" smtClean="0">
                           <a:latin typeface="Cambria" panose="02040503050406030204" pitchFamily="18" charset="0"/>
                         </a:rPr>
                         <a:t>Skill</a:t>
                       </a:r>
-                      <a:endParaRPr lang="en-US">
+                      <a:endParaRPr lang="en-US" dirty="0">
                         <a:latin typeface="Cambria" panose="02040503050406030204" pitchFamily="18" charset="0"/>
                       </a:endParaRPr>
                     </a:p>
@@ -13732,7 +14678,7 @@
                 </a:tc>
                 <a:extLst>
                   <a:ext uri="{0D108BD9-81ED-4DB2-BD59-A6C34878D82A}">
-                    <a16:rowId xmlns:a16="http://schemas.microsoft.com/office/drawing/2014/main" val="3191488594"/>
+                    <a16:rowId xmlns:a16="http://schemas.microsoft.com/office/drawing/2014/main" xmlns="" val="3191488594"/>
                   </a:ext>
                 </a:extLst>
               </a:tr>
@@ -13881,7 +14827,7 @@
                         <a:buChar char="•"/>
                       </a:pPr>
                       <a:r>
-                        <a:rPr kumimoji="1" lang="en-US" sz="1500" kern="1200" smtClean="0">
+                        <a:rPr kumimoji="1" lang="en-US" sz="1500" kern="1200" dirty="0" smtClean="0">
                           <a:solidFill>
                             <a:schemeClr val="tx1"/>
                           </a:solidFill>
@@ -13892,7 +14838,7 @@
                         </a:rPr>
                         <a:t>Can estimate and create plan for project</a:t>
                       </a:r>
-                      <a:endParaRPr lang="en-US" sz="1500" baseline="0" smtClean="0">
+                      <a:endParaRPr lang="en-US" sz="1500" baseline="0" dirty="0" smtClean="0">
                         <a:latin typeface="Cambria" panose="02040503050406030204" pitchFamily="18" charset="0"/>
                       </a:endParaRPr>
                     </a:p>
@@ -13938,7 +14884,7 @@
                 </a:tc>
                 <a:extLst>
                   <a:ext uri="{0D108BD9-81ED-4DB2-BD59-A6C34878D82A}">
-                    <a16:rowId xmlns:a16="http://schemas.microsoft.com/office/drawing/2014/main" val="1207800691"/>
+                    <a16:rowId xmlns:a16="http://schemas.microsoft.com/office/drawing/2014/main" xmlns="" val="1207800691"/>
                   </a:ext>
                 </a:extLst>
               </a:tr>
@@ -14167,13 +15113,13 @@
                         <a:buChar char="•"/>
                       </a:pPr>
                       <a:r>
-                        <a:rPr lang="en-US" sz="1500" smtClean="0">
+                        <a:rPr lang="en-US" sz="1500" dirty="0" smtClean="0">
                           <a:latin typeface="Cambria" panose="02040503050406030204" pitchFamily="18" charset="0"/>
                         </a:rPr>
                         <a:t>Discuss</a:t>
                       </a:r>
                       <a:r>
-                        <a:rPr lang="en-US" sz="1500" baseline="0" smtClean="0">
+                        <a:rPr lang="en-US" sz="1500" baseline="0" dirty="0" smtClean="0">
                           <a:latin typeface="Cambria" panose="02040503050406030204" pitchFamily="18" charset="0"/>
                         </a:rPr>
                         <a:t> with REL/REE via Scrum meeting/ MS Chat daily</a:t>
@@ -14185,7 +15131,7 @@
                         <a:buChar char="•"/>
                       </a:pPr>
                       <a:r>
-                        <a:rPr lang="en-US" sz="1500" baseline="0" smtClean="0">
+                        <a:rPr lang="en-US" sz="1500" baseline="0" dirty="0" smtClean="0">
                           <a:latin typeface="Cambria" panose="02040503050406030204" pitchFamily="18" charset="0"/>
                         </a:rPr>
                         <a:t>Able to hold meeting with REE to discuss about RCar Env</a:t>
@@ -14197,7 +15143,7 @@
                         <a:buChar char="•"/>
                       </a:pPr>
                       <a:r>
-                        <a:rPr lang="en-US" sz="1500" baseline="0" smtClean="0">
+                        <a:rPr lang="en-US" sz="1500" baseline="0" dirty="0" smtClean="0">
                           <a:latin typeface="Cambria" panose="02040503050406030204" pitchFamily="18" charset="0"/>
                         </a:rPr>
                         <a:t>Able to review REE/REL output and give them solution if they have any issue</a:t>
@@ -14209,7 +15155,7 @@
                         <a:buChar char="•"/>
                       </a:pPr>
                       <a:r>
-                        <a:rPr lang="en-US" sz="1500" baseline="0" smtClean="0">
+                        <a:rPr lang="en-US" sz="1500" baseline="0" dirty="0" smtClean="0">
                           <a:latin typeface="Cambria" panose="02040503050406030204" pitchFamily="18" charset="0"/>
                         </a:rPr>
                         <a:t>TOEIC 765</a:t>
@@ -14257,7 +15203,7 @@
                 </a:tc>
                 <a:extLst>
                   <a:ext uri="{0D108BD9-81ED-4DB2-BD59-A6C34878D82A}">
-                    <a16:rowId xmlns:a16="http://schemas.microsoft.com/office/drawing/2014/main" val="287089240"/>
+                    <a16:rowId xmlns:a16="http://schemas.microsoft.com/office/drawing/2014/main" xmlns="" val="287089240"/>
                   </a:ext>
                 </a:extLst>
               </a:tr>
@@ -14794,6 +15740,24 @@
 </file>
 
 <file path=customXml/item1.xml><?xml version="1.0" encoding="utf-8"?>
+<?mso-contentType ?>
+<FormTemplates xmlns="http://schemas.microsoft.com/sharepoint/v3/contenttype/forms">
+  <Display>DocumentLibraryForm</Display>
+  <Edit>DocumentLibraryForm</Edit>
+  <New>DocumentLibraryForm</New>
+</FormTemplates>
+</file>
+
+<file path=customXml/item2.xml><?xml version="1.0" encoding="utf-8"?>
+<p:properties xmlns:p="http://schemas.microsoft.com/office/2006/metadata/properties" xmlns:xsi="http://www.w3.org/2001/XMLSchema-instance" xmlns:pc="http://schemas.microsoft.com/office/infopath/2007/PartnerControls">
+  <documentManagement>
+    <PublishingExpirationDate xmlns="http://schemas.microsoft.com/sharepoint/v3" xsi:nil="true"/>
+    <PublishingStartDate xmlns="http://schemas.microsoft.com/sharepoint/v3" xsi:nil="true"/>
+  </documentManagement>
+</p:properties>
+</file>
+
+<file path=customXml/item3.xml><?xml version="1.0" encoding="utf-8"?>
 <ct:contentTypeSchema xmlns:ct="http://schemas.microsoft.com/office/2006/metadata/contentType" xmlns:ma="http://schemas.microsoft.com/office/2006/metadata/properties/metaAttributes" ct:_="" ma:_="" ma:contentTypeName="Document" ma:contentTypeID="0x01010016A4AEB292C7F940AC7C75BCBC9D5238" ma:contentTypeVersion="10" ma:contentTypeDescription="Create a new document." ma:contentTypeScope="" ma:versionID="b2afb1efd27bd9d1a06b38bac9243d27">
   <xsd:schema xmlns:xsd="http://www.w3.org/2001/XMLSchema" xmlns:xs="http://www.w3.org/2001/XMLSchema" xmlns:p="http://schemas.microsoft.com/office/2006/metadata/properties" xmlns:ns1="http://schemas.microsoft.com/sharepoint/v3" xmlns:ns2="a5cf9098-95d1-4643-bcd4-c3673cd0cbbe" xmlns:ns3="ef34c839-cd0a-494a-bd11-799dc90ee3f6" targetNamespace="http://schemas.microsoft.com/office/2006/metadata/properties" ma:root="true" ma:fieldsID="8e2dc1f41b1791b67cf2c2cef483ebb8" ns1:_="" ns2:_="" ns3:_="">
     <xsd:import namespace="http://schemas.microsoft.com/sharepoint/v3"/>
@@ -15007,40 +15971,10 @@
 </ct:contentTypeSchema>
 </file>
 
-<file path=customXml/item2.xml><?xml version="1.0" encoding="utf-8"?>
-<p:properties xmlns:p="http://schemas.microsoft.com/office/2006/metadata/properties" xmlns:xsi="http://www.w3.org/2001/XMLSchema-instance" xmlns:pc="http://schemas.microsoft.com/office/infopath/2007/PartnerControls">
-  <documentManagement>
-    <PublishingExpirationDate xmlns="http://schemas.microsoft.com/sharepoint/v3" xsi:nil="true"/>
-    <PublishingStartDate xmlns="http://schemas.microsoft.com/sharepoint/v3" xsi:nil="true"/>
-  </documentManagement>
-</p:properties>
-</file>
-
-<file path=customXml/item3.xml><?xml version="1.0" encoding="utf-8"?>
-<?mso-contentType ?>
-<FormTemplates xmlns="http://schemas.microsoft.com/sharepoint/v3/contenttype/forms">
-  <Display>DocumentLibraryForm</Display>
-  <Edit>DocumentLibraryForm</Edit>
-  <New>DocumentLibraryForm</New>
-</FormTemplates>
-</file>
-
 <file path=customXml/itemProps1.xml><?xml version="1.0" encoding="utf-8"?>
-<ds:datastoreItem xmlns:ds="http://schemas.openxmlformats.org/officeDocument/2006/customXml" ds:itemID="{2A99B1A2-0D9C-4812-91CC-CE629D093FE7}">
+<ds:datastoreItem xmlns:ds="http://schemas.openxmlformats.org/officeDocument/2006/customXml" ds:itemID="{2F3BE601-7F02-4240-9AF6-86A6A55D9AEF}">
   <ds:schemaRefs>
-    <ds:schemaRef ds:uri="http://schemas.microsoft.com/office/2006/metadata/contentType"/>
-    <ds:schemaRef ds:uri="http://schemas.microsoft.com/office/2006/metadata/properties/metaAttributes"/>
-    <ds:schemaRef ds:uri="http://www.w3.org/2001/XMLSchema"/>
-    <ds:schemaRef ds:uri="http://schemas.microsoft.com/office/2006/metadata/properties"/>
-    <ds:schemaRef ds:uri="http://schemas.microsoft.com/sharepoint/v3"/>
-    <ds:schemaRef ds:uri="a5cf9098-95d1-4643-bcd4-c3673cd0cbbe"/>
-    <ds:schemaRef ds:uri="ef34c839-cd0a-494a-bd11-799dc90ee3f6"/>
-    <ds:schemaRef ds:uri="http://schemas.microsoft.com/office/2006/documentManagement/types"/>
-    <ds:schemaRef ds:uri="http://schemas.microsoft.com/office/infopath/2007/PartnerControls"/>
-    <ds:schemaRef ds:uri="http://schemas.openxmlformats.org/package/2006/metadata/core-properties"/>
-    <ds:schemaRef ds:uri="http://purl.org/dc/elements/1.1/"/>
-    <ds:schemaRef ds:uri="http://purl.org/dc/terms/"/>
-    <ds:schemaRef ds:uri="http://schemas.microsoft.com/internal/obd"/>
+    <ds:schemaRef ds:uri="http://schemas.microsoft.com/sharepoint/v3/contenttype/forms"/>
   </ds:schemaRefs>
 </ds:datastoreItem>
 </file>
@@ -15063,9 +15997,21 @@
 </file>
 
 <file path=customXml/itemProps3.xml><?xml version="1.0" encoding="utf-8"?>
-<ds:datastoreItem xmlns:ds="http://schemas.openxmlformats.org/officeDocument/2006/customXml" ds:itemID="{2F3BE601-7F02-4240-9AF6-86A6A55D9AEF}">
+<ds:datastoreItem xmlns:ds="http://schemas.openxmlformats.org/officeDocument/2006/customXml" ds:itemID="{2A99B1A2-0D9C-4812-91CC-CE629D093FE7}">
   <ds:schemaRefs>
-    <ds:schemaRef ds:uri="http://schemas.microsoft.com/sharepoint/v3/contenttype/forms"/>
+    <ds:schemaRef ds:uri="http://schemas.microsoft.com/office/2006/metadata/contentType"/>
+    <ds:schemaRef ds:uri="http://schemas.microsoft.com/office/2006/metadata/properties/metaAttributes"/>
+    <ds:schemaRef ds:uri="http://www.w3.org/2001/XMLSchema"/>
+    <ds:schemaRef ds:uri="http://schemas.microsoft.com/office/2006/metadata/properties"/>
+    <ds:schemaRef ds:uri="http://schemas.microsoft.com/sharepoint/v3"/>
+    <ds:schemaRef ds:uri="a5cf9098-95d1-4643-bcd4-c3673cd0cbbe"/>
+    <ds:schemaRef ds:uri="ef34c839-cd0a-494a-bd11-799dc90ee3f6"/>
+    <ds:schemaRef ds:uri="http://schemas.microsoft.com/office/2006/documentManagement/types"/>
+    <ds:schemaRef ds:uri="http://schemas.microsoft.com/office/infopath/2007/PartnerControls"/>
+    <ds:schemaRef ds:uri="http://schemas.openxmlformats.org/package/2006/metadata/core-properties"/>
+    <ds:schemaRef ds:uri="http://purl.org/dc/elements/1.1/"/>
+    <ds:schemaRef ds:uri="http://purl.org/dc/terms/"/>
+    <ds:schemaRef ds:uri="http://schemas.microsoft.com/internal/obd"/>
   </ds:schemaRefs>
 </ds:datastoreItem>
 </file>